--- a/final_project_presentation.pptx
+++ b/final_project_presentation.pptx
@@ -8,7 +8,13 @@
     <p:sldId id="256" r:id="rId2"/>
     <p:sldId id="257" r:id="rId3"/>
     <p:sldId id="258" r:id="rId4"/>
-    <p:sldId id="259" r:id="rId5"/>
+    <p:sldId id="260" r:id="rId5"/>
+    <p:sldId id="261" r:id="rId6"/>
+    <p:sldId id="264" r:id="rId7"/>
+    <p:sldId id="265" r:id="rId8"/>
+    <p:sldId id="266" r:id="rId9"/>
+    <p:sldId id="268" r:id="rId10"/>
+    <p:sldId id="267" r:id="rId11"/>
   </p:sldIdLst>
   <p:sldSz cx="12192000" cy="6858000"/>
   <p:notesSz cx="6858000" cy="9144000"/>
@@ -11062,6 +11068,66 @@
 </p:sld>
 </file>
 
+<file path=ppt/slides/slide10.xml><?xml version="1.0" encoding="utf-8"?>
+<p:sld xmlns:a="http://schemas.openxmlformats.org/drawingml/2006/main" xmlns:r="http://schemas.openxmlformats.org/officeDocument/2006/relationships" xmlns:p="http://schemas.openxmlformats.org/presentationml/2006/main">
+  <p:cSld>
+    <p:spTree>
+      <p:nvGrpSpPr>
+        <p:cNvPr id="1" name=""/>
+        <p:cNvGrpSpPr/>
+        <p:nvPr/>
+      </p:nvGrpSpPr>
+      <p:grpSpPr>
+        <a:xfrm>
+          <a:off x="0" y="0"/>
+          <a:ext cx="0" cy="0"/>
+          <a:chOff x="0" y="0"/>
+          <a:chExt cx="0" cy="0"/>
+        </a:xfrm>
+      </p:grpSpPr>
+      <p:pic>
+        <p:nvPicPr>
+          <p:cNvPr id="3" name="Picture 2" descr="Graphical user interface, text, application&#10;&#10;Description automatically generated">
+            <a:extLst>
+              <a:ext uri="{FF2B5EF4-FFF2-40B4-BE49-F238E27FC236}">
+                <a16:creationId xmlns:a16="http://schemas.microsoft.com/office/drawing/2014/main" id="{9B9D8D85-7CCF-423B-944F-A67B71E08157}"/>
+              </a:ext>
+            </a:extLst>
+          </p:cNvPr>
+          <p:cNvPicPr>
+            <a:picLocks noChangeAspect="1"/>
+          </p:cNvPicPr>
+          <p:nvPr/>
+        </p:nvPicPr>
+        <p:blipFill>
+          <a:blip r:embed="rId2"/>
+          <a:stretch>
+            <a:fillRect/>
+          </a:stretch>
+        </p:blipFill>
+        <p:spPr>
+          <a:xfrm>
+            <a:off x="1083502" y="406684"/>
+            <a:ext cx="10308910" cy="5505601"/>
+          </a:xfrm>
+          <a:prstGeom prst="rect">
+            <a:avLst/>
+          </a:prstGeom>
+        </p:spPr>
+      </p:pic>
+    </p:spTree>
+    <p:extLst>
+      <p:ext uri="{BB962C8B-B14F-4D97-AF65-F5344CB8AC3E}">
+        <p14:creationId xmlns:p14="http://schemas.microsoft.com/office/powerpoint/2010/main" val="2344561092"/>
+      </p:ext>
+    </p:extLst>
+  </p:cSld>
+  <p:clrMapOvr>
+    <a:masterClrMapping/>
+  </p:clrMapOvr>
+</p:sld>
+</file>
+
 <file path=ppt/slides/slide2.xml><?xml version="1.0" encoding="utf-8"?>
 <p:sld xmlns:a="http://schemas.openxmlformats.org/drawingml/2006/main" xmlns:r="http://schemas.openxmlformats.org/officeDocument/2006/relationships" xmlns:p="http://schemas.openxmlformats.org/presentationml/2006/main">
   <p:cSld>
@@ -12913,7 +12979,346 @@
           <p:cNvPr id="2" name="Title 1">
             <a:extLst>
               <a:ext uri="{FF2B5EF4-FFF2-40B4-BE49-F238E27FC236}">
-                <a16:creationId xmlns:a16="http://schemas.microsoft.com/office/drawing/2014/main" id="{C8C78EEA-5F94-4D8C-85D0-5F2F2CE9E8DB}"/>
+                <a16:creationId xmlns:a16="http://schemas.microsoft.com/office/drawing/2014/main" id="{DB0C033D-324E-4FAB-8B9E-17D76E031BEC}"/>
+              </a:ext>
+            </a:extLst>
+          </p:cNvPr>
+          <p:cNvSpPr>
+            <a:spLocks noGrp="1"/>
+          </p:cNvSpPr>
+          <p:nvPr>
+            <p:ph type="title"/>
+          </p:nvPr>
+        </p:nvSpPr>
+        <p:spPr/>
+        <p:txBody>
+          <a:bodyPr/>
+          <a:lstStyle/>
+          <a:p>
+            <a:r>
+              <a:rPr lang="en-US" dirty="0">
+                <a:ea typeface="Meiryo"/>
+              </a:rPr>
+              <a:t>Simple use case</a:t>
+            </a:r>
+            <a:endParaRPr lang="en-US" dirty="0"/>
+          </a:p>
+        </p:txBody>
+      </p:sp>
+      <p:sp>
+        <p:nvSpPr>
+          <p:cNvPr id="3" name="Text Placeholder 2">
+            <a:extLst>
+              <a:ext uri="{FF2B5EF4-FFF2-40B4-BE49-F238E27FC236}">
+                <a16:creationId xmlns:a16="http://schemas.microsoft.com/office/drawing/2014/main" id="{DE0D6EB7-ECF3-4D8C-A70C-E7978B6B79F3}"/>
+              </a:ext>
+            </a:extLst>
+          </p:cNvPr>
+          <p:cNvSpPr>
+            <a:spLocks noGrp="1"/>
+          </p:cNvSpPr>
+          <p:nvPr>
+            <p:ph type="body" idx="1"/>
+          </p:nvPr>
+        </p:nvSpPr>
+        <p:spPr/>
+        <p:txBody>
+          <a:bodyPr>
+            <a:normAutofit fontScale="85000" lnSpcReduction="10000"/>
+          </a:bodyPr>
+          <a:lstStyle/>
+          <a:p>
+            <a:r>
+              <a:rPr lang="en-US" dirty="0">
+                <a:ea typeface="Meiryo"/>
+              </a:rPr>
+              <a:t>with screen transitions</a:t>
+            </a:r>
+            <a:endParaRPr lang="en-US" dirty="0"/>
+          </a:p>
+        </p:txBody>
+      </p:sp>
+    </p:spTree>
+    <p:extLst>
+      <p:ext uri="{BB962C8B-B14F-4D97-AF65-F5344CB8AC3E}">
+        <p14:creationId xmlns:p14="http://schemas.microsoft.com/office/powerpoint/2010/main" val="1280652404"/>
+      </p:ext>
+    </p:extLst>
+  </p:cSld>
+  <p:clrMapOvr>
+    <a:masterClrMapping/>
+  </p:clrMapOvr>
+</p:sld>
+</file>
+
+<file path=ppt/slides/slide5.xml><?xml version="1.0" encoding="utf-8"?>
+<p:sld xmlns:a="http://schemas.openxmlformats.org/drawingml/2006/main" xmlns:r="http://schemas.openxmlformats.org/officeDocument/2006/relationships" xmlns:p="http://schemas.openxmlformats.org/presentationml/2006/main">
+  <p:cSld>
+    <p:spTree>
+      <p:nvGrpSpPr>
+        <p:cNvPr id="1" name=""/>
+        <p:cNvGrpSpPr/>
+        <p:nvPr/>
+      </p:nvGrpSpPr>
+      <p:grpSpPr>
+        <a:xfrm>
+          <a:off x="0" y="0"/>
+          <a:ext cx="0" cy="0"/>
+          <a:chOff x="0" y="0"/>
+          <a:chExt cx="0" cy="0"/>
+        </a:xfrm>
+      </p:grpSpPr>
+      <p:pic>
+        <p:nvPicPr>
+          <p:cNvPr id="2" name="Picture 4" descr="Graphical user interface, application&#10;&#10;Description automatically generated">
+            <a:extLst>
+              <a:ext uri="{FF2B5EF4-FFF2-40B4-BE49-F238E27FC236}">
+                <a16:creationId xmlns:a16="http://schemas.microsoft.com/office/drawing/2014/main" id="{8AEEEC65-28EA-4A39-9BDE-0B1926761281}"/>
+              </a:ext>
+            </a:extLst>
+          </p:cNvPr>
+          <p:cNvPicPr>
+            <a:picLocks noChangeAspect="1"/>
+          </p:cNvPicPr>
+          <p:nvPr/>
+        </p:nvPicPr>
+        <p:blipFill>
+          <a:blip r:embed="rId2"/>
+          <a:stretch>
+            <a:fillRect/>
+          </a:stretch>
+        </p:blipFill>
+        <p:spPr>
+          <a:xfrm>
+            <a:off x="1821795" y="611564"/>
+            <a:ext cx="9389000" cy="5204892"/>
+          </a:xfrm>
+          <a:prstGeom prst="rect">
+            <a:avLst/>
+          </a:prstGeom>
+        </p:spPr>
+      </p:pic>
+    </p:spTree>
+    <p:extLst>
+      <p:ext uri="{BB962C8B-B14F-4D97-AF65-F5344CB8AC3E}">
+        <p14:creationId xmlns:p14="http://schemas.microsoft.com/office/powerpoint/2010/main" val="981389988"/>
+      </p:ext>
+    </p:extLst>
+  </p:cSld>
+  <p:clrMapOvr>
+    <a:masterClrMapping/>
+  </p:clrMapOvr>
+</p:sld>
+</file>
+
+<file path=ppt/slides/slide6.xml><?xml version="1.0" encoding="utf-8"?>
+<p:sld xmlns:a="http://schemas.openxmlformats.org/drawingml/2006/main" xmlns:r="http://schemas.openxmlformats.org/officeDocument/2006/relationships" xmlns:p="http://schemas.openxmlformats.org/presentationml/2006/main">
+  <p:cSld>
+    <p:spTree>
+      <p:nvGrpSpPr>
+        <p:cNvPr id="1" name=""/>
+        <p:cNvGrpSpPr/>
+        <p:nvPr/>
+      </p:nvGrpSpPr>
+      <p:grpSpPr>
+        <a:xfrm>
+          <a:off x="0" y="0"/>
+          <a:ext cx="0" cy="0"/>
+          <a:chOff x="0" y="0"/>
+          <a:chExt cx="0" cy="0"/>
+        </a:xfrm>
+      </p:grpSpPr>
+      <p:pic>
+        <p:nvPicPr>
+          <p:cNvPr id="3" name="Picture 7" descr="A screenshot of a computer&#10;&#10;Description automatically generated">
+            <a:extLst>
+              <a:ext uri="{FF2B5EF4-FFF2-40B4-BE49-F238E27FC236}">
+                <a16:creationId xmlns:a16="http://schemas.microsoft.com/office/drawing/2014/main" id="{E58A65AF-4DCF-4037-AB9C-86E4C322CCB4}"/>
+              </a:ext>
+            </a:extLst>
+          </p:cNvPr>
+          <p:cNvPicPr>
+            <a:picLocks noChangeAspect="1"/>
+          </p:cNvPicPr>
+          <p:nvPr/>
+        </p:nvPicPr>
+        <p:blipFill rotWithShape="1">
+          <a:blip r:embed="rId2"/>
+          <a:srcRect l="137" t="-323" r="-137" b="12403"/>
+          <a:stretch/>
+        </p:blipFill>
+        <p:spPr>
+          <a:xfrm>
+            <a:off x="1386212" y="989556"/>
+            <a:ext cx="9697389" cy="5154460"/>
+          </a:xfrm>
+          <a:prstGeom prst="rect">
+            <a:avLst/>
+          </a:prstGeom>
+        </p:spPr>
+      </p:pic>
+    </p:spTree>
+    <p:extLst>
+      <p:ext uri="{BB962C8B-B14F-4D97-AF65-F5344CB8AC3E}">
+        <p14:creationId xmlns:p14="http://schemas.microsoft.com/office/powerpoint/2010/main" val="4223174382"/>
+      </p:ext>
+    </p:extLst>
+  </p:cSld>
+  <p:clrMapOvr>
+    <a:masterClrMapping/>
+  </p:clrMapOvr>
+</p:sld>
+</file>
+
+<file path=ppt/slides/slide7.xml><?xml version="1.0" encoding="utf-8"?>
+<p:sld xmlns:a="http://schemas.openxmlformats.org/drawingml/2006/main" xmlns:r="http://schemas.openxmlformats.org/officeDocument/2006/relationships" xmlns:p="http://schemas.openxmlformats.org/presentationml/2006/main">
+  <p:cSld>
+    <p:spTree>
+      <p:nvGrpSpPr>
+        <p:cNvPr id="1" name=""/>
+        <p:cNvGrpSpPr/>
+        <p:nvPr/>
+      </p:nvGrpSpPr>
+      <p:grpSpPr>
+        <a:xfrm>
+          <a:off x="0" y="0"/>
+          <a:ext cx="0" cy="0"/>
+          <a:chOff x="0" y="0"/>
+          <a:chExt cx="0" cy="0"/>
+        </a:xfrm>
+      </p:grpSpPr>
+      <p:pic>
+        <p:nvPicPr>
+          <p:cNvPr id="4" name="Picture 9" descr="A screenshot of a computer&#10;&#10;Description automatically generated">
+            <a:extLst>
+              <a:ext uri="{FF2B5EF4-FFF2-40B4-BE49-F238E27FC236}">
+                <a16:creationId xmlns:a16="http://schemas.microsoft.com/office/drawing/2014/main" id="{DAAE8E80-3332-441D-B635-00588E126764}"/>
+              </a:ext>
+            </a:extLst>
+          </p:cNvPr>
+          <p:cNvPicPr>
+            <a:picLocks noChangeAspect="1"/>
+          </p:cNvPicPr>
+          <p:nvPr/>
+        </p:nvPicPr>
+        <p:blipFill>
+          <a:blip r:embed="rId2"/>
+          <a:stretch>
+            <a:fillRect/>
+          </a:stretch>
+        </p:blipFill>
+        <p:spPr>
+          <a:xfrm>
+            <a:off x="885987" y="729488"/>
+            <a:ext cx="10420025" cy="5399023"/>
+          </a:xfrm>
+          <a:prstGeom prst="rect">
+            <a:avLst/>
+          </a:prstGeom>
+          <a:ln>
+            <a:solidFill>
+              <a:schemeClr val="tx1"/>
+            </a:solidFill>
+            <a:tailEnd type="triangle"/>
+          </a:ln>
+        </p:spPr>
+      </p:pic>
+    </p:spTree>
+    <p:extLst>
+      <p:ext uri="{BB962C8B-B14F-4D97-AF65-F5344CB8AC3E}">
+        <p14:creationId xmlns:p14="http://schemas.microsoft.com/office/powerpoint/2010/main" val="1952540065"/>
+      </p:ext>
+    </p:extLst>
+  </p:cSld>
+  <p:clrMapOvr>
+    <a:masterClrMapping/>
+  </p:clrMapOvr>
+</p:sld>
+</file>
+
+<file path=ppt/slides/slide8.xml><?xml version="1.0" encoding="utf-8"?>
+<p:sld xmlns:a="http://schemas.openxmlformats.org/drawingml/2006/main" xmlns:r="http://schemas.openxmlformats.org/officeDocument/2006/relationships" xmlns:p="http://schemas.openxmlformats.org/presentationml/2006/main">
+  <p:cSld>
+    <p:spTree>
+      <p:nvGrpSpPr>
+        <p:cNvPr id="1" name=""/>
+        <p:cNvGrpSpPr/>
+        <p:nvPr/>
+      </p:nvGrpSpPr>
+      <p:grpSpPr>
+        <a:xfrm>
+          <a:off x="0" y="0"/>
+          <a:ext cx="0" cy="0"/>
+          <a:chOff x="0" y="0"/>
+          <a:chExt cx="0" cy="0"/>
+        </a:xfrm>
+      </p:grpSpPr>
+      <p:pic>
+        <p:nvPicPr>
+          <p:cNvPr id="2" name="Picture 11" descr="Graphical user interface&#10;&#10;Description automatically generated">
+            <a:extLst>
+              <a:ext uri="{FF2B5EF4-FFF2-40B4-BE49-F238E27FC236}">
+                <a16:creationId xmlns:a16="http://schemas.microsoft.com/office/drawing/2014/main" id="{736F1B13-5152-465B-B009-441E8BD68C0A}"/>
+              </a:ext>
+            </a:extLst>
+          </p:cNvPr>
+          <p:cNvPicPr>
+            <a:picLocks noChangeAspect="1"/>
+          </p:cNvPicPr>
+          <p:nvPr/>
+        </p:nvPicPr>
+        <p:blipFill>
+          <a:blip r:embed="rId2"/>
+          <a:stretch>
+            <a:fillRect/>
+          </a:stretch>
+        </p:blipFill>
+        <p:spPr>
+          <a:xfrm>
+            <a:off x="655042" y="469727"/>
+            <a:ext cx="10881915" cy="5636711"/>
+          </a:xfrm>
+          <a:prstGeom prst="rect">
+            <a:avLst/>
+          </a:prstGeom>
+        </p:spPr>
+      </p:pic>
+    </p:spTree>
+    <p:extLst>
+      <p:ext uri="{BB962C8B-B14F-4D97-AF65-F5344CB8AC3E}">
+        <p14:creationId xmlns:p14="http://schemas.microsoft.com/office/powerpoint/2010/main" val="1790242574"/>
+      </p:ext>
+    </p:extLst>
+  </p:cSld>
+  <p:clrMapOvr>
+    <a:masterClrMapping/>
+  </p:clrMapOvr>
+</p:sld>
+</file>
+
+<file path=ppt/slides/slide9.xml><?xml version="1.0" encoding="utf-8"?>
+<p:sld xmlns:a="http://schemas.openxmlformats.org/drawingml/2006/main" xmlns:r="http://schemas.openxmlformats.org/officeDocument/2006/relationships" xmlns:p="http://schemas.openxmlformats.org/presentationml/2006/main">
+  <p:cSld>
+    <p:spTree>
+      <p:nvGrpSpPr>
+        <p:cNvPr id="1" name=""/>
+        <p:cNvGrpSpPr/>
+        <p:nvPr/>
+      </p:nvGrpSpPr>
+      <p:grpSpPr>
+        <a:xfrm>
+          <a:off x="0" y="0"/>
+          <a:ext cx="0" cy="0"/>
+          <a:chOff x="0" y="0"/>
+          <a:chExt cx="0" cy="0"/>
+        </a:xfrm>
+      </p:grpSpPr>
+      <p:sp>
+        <p:nvSpPr>
+          <p:cNvPr id="2" name="Title 1">
+            <a:extLst>
+              <a:ext uri="{FF2B5EF4-FFF2-40B4-BE49-F238E27FC236}">
+                <a16:creationId xmlns:a16="http://schemas.microsoft.com/office/drawing/2014/main" id="{FAB460C3-E316-4837-BB7A-A39A58D888C9}"/>
               </a:ext>
             </a:extLst>
           </p:cNvPr>
@@ -12926,285 +13331,60 @@
         </p:nvSpPr>
         <p:spPr>
           <a:xfrm>
-            <a:off x="1959317" y="1184681"/>
-            <a:ext cx="8770571" cy="880635"/>
+            <a:off x="1233814" y="2364163"/>
+            <a:ext cx="10562447" cy="2129674"/>
+          </a:xfrm>
+        </p:spPr>
+        <p:txBody>
+          <a:bodyPr/>
+          <a:lstStyle/>
+          <a:p>
+            <a:r>
+              <a:rPr lang="en-US" dirty="0"/>
+              <a:t>Wait for program to finish running topic segmentation and LDA algorithms</a:t>
+            </a:r>
+          </a:p>
+        </p:txBody>
+      </p:sp>
+      <p:sp>
+        <p:nvSpPr>
+          <p:cNvPr id="3" name="Text Placeholder 2">
+            <a:extLst>
+              <a:ext uri="{FF2B5EF4-FFF2-40B4-BE49-F238E27FC236}">
+                <a16:creationId xmlns:a16="http://schemas.microsoft.com/office/drawing/2014/main" id="{EDDD6785-C985-478C-9DC9-01603F99B328}"/>
+              </a:ext>
+            </a:extLst>
+          </p:cNvPr>
+          <p:cNvSpPr>
+            <a:spLocks noGrp="1"/>
+          </p:cNvSpPr>
+          <p:nvPr>
+            <p:ph type="body" idx="1"/>
+          </p:nvPr>
+        </p:nvSpPr>
+        <p:spPr>
+          <a:xfrm>
+            <a:off x="4879765" y="4892792"/>
+            <a:ext cx="2147338" cy="512064"/>
           </a:xfrm>
         </p:spPr>
         <p:txBody>
           <a:bodyPr>
-            <a:normAutofit fontScale="90000"/>
+            <a:normAutofit fontScale="85000" lnSpcReduction="10000"/>
           </a:bodyPr>
           <a:lstStyle/>
           <a:p>
             <a:r>
-              <a:rPr lang="en-US" dirty="0">
-                <a:ea typeface="Meiryo"/>
-              </a:rPr>
-              <a:t>Simple use case with screen transitions</a:t>
+              <a:rPr lang="en-US" dirty="0"/>
+              <a:t>About 1 minute</a:t>
             </a:r>
-            <a:endParaRPr lang="en-US" dirty="0"/>
           </a:p>
         </p:txBody>
       </p:sp>
-      <p:pic>
-        <p:nvPicPr>
-          <p:cNvPr id="4" name="Picture 4" descr="Graphical user interface, application&#10;&#10;Description automatically generated">
-            <a:extLst>
-              <a:ext uri="{FF2B5EF4-FFF2-40B4-BE49-F238E27FC236}">
-                <a16:creationId xmlns:a16="http://schemas.microsoft.com/office/drawing/2014/main" id="{A7C1AA4B-A4D0-4D8E-B90B-664BF03D4517}"/>
-              </a:ext>
-            </a:extLst>
-          </p:cNvPr>
-          <p:cNvPicPr>
-            <a:picLocks noGrp="1" noChangeAspect="1"/>
-          </p:cNvPicPr>
-          <p:nvPr>
-            <p:ph idx="1"/>
-          </p:nvPr>
-        </p:nvPicPr>
-        <p:blipFill>
-          <a:blip r:embed="rId2"/>
-          <a:stretch>
-            <a:fillRect/>
-          </a:stretch>
-        </p:blipFill>
-        <p:spPr>
-          <a:xfrm>
-            <a:off x="1922004" y="2340155"/>
-            <a:ext cx="2410849" cy="1709334"/>
-          </a:xfrm>
-        </p:spPr>
-      </p:pic>
-      <p:pic>
-        <p:nvPicPr>
-          <p:cNvPr id="7" name="Picture 7" descr="A screenshot of a computer&#10;&#10;Description automatically generated">
-            <a:extLst>
-              <a:ext uri="{FF2B5EF4-FFF2-40B4-BE49-F238E27FC236}">
-                <a16:creationId xmlns:a16="http://schemas.microsoft.com/office/drawing/2014/main" id="{70088245-2E80-486E-997F-E47DE08DC96B}"/>
-              </a:ext>
-            </a:extLst>
-          </p:cNvPr>
-          <p:cNvPicPr>
-            <a:picLocks noChangeAspect="1"/>
-          </p:cNvPicPr>
-          <p:nvPr/>
-        </p:nvPicPr>
-        <p:blipFill>
-          <a:blip r:embed="rId3"/>
-          <a:stretch>
-            <a:fillRect/>
-          </a:stretch>
-        </p:blipFill>
-        <p:spPr>
-          <a:xfrm>
-            <a:off x="4798741" y="2342221"/>
-            <a:ext cx="2343613" cy="1653168"/>
-          </a:xfrm>
-          <a:prstGeom prst="rect">
-            <a:avLst/>
-          </a:prstGeom>
-        </p:spPr>
-      </p:pic>
-      <p:cxnSp>
-        <p:nvCxnSpPr>
-          <p:cNvPr id="8" name="Straight Arrow Connector 7">
-            <a:extLst>
-              <a:ext uri="{FF2B5EF4-FFF2-40B4-BE49-F238E27FC236}">
-                <a16:creationId xmlns:a16="http://schemas.microsoft.com/office/drawing/2014/main" id="{98576FF8-BBD3-4F93-AAC8-F062E3FBC72C}"/>
-              </a:ext>
-            </a:extLst>
-          </p:cNvPr>
-          <p:cNvCxnSpPr/>
-          <p:nvPr/>
-        </p:nvCxnSpPr>
-        <p:spPr>
-          <a:xfrm>
-            <a:off x="4328533" y="3111190"/>
-            <a:ext cx="477643" cy="3719"/>
-          </a:xfrm>
-          <a:prstGeom prst="straightConnector1">
-            <a:avLst/>
-          </a:prstGeom>
-          <a:ln>
-            <a:solidFill>
-              <a:schemeClr val="tx1"/>
-            </a:solidFill>
-            <a:tailEnd type="triangle"/>
-          </a:ln>
-        </p:spPr>
-        <p:style>
-          <a:lnRef idx="1">
-            <a:schemeClr val="accent1"/>
-          </a:lnRef>
-          <a:fillRef idx="0">
-            <a:schemeClr val="accent1"/>
-          </a:fillRef>
-          <a:effectRef idx="0">
-            <a:schemeClr val="accent1"/>
-          </a:effectRef>
-          <a:fontRef idx="minor">
-            <a:schemeClr val="tx1"/>
-          </a:fontRef>
-        </p:style>
-      </p:cxnSp>
-      <p:pic>
-        <p:nvPicPr>
-          <p:cNvPr id="9" name="Picture 9" descr="A screenshot of a computer&#10;&#10;Description automatically generated">
-            <a:extLst>
-              <a:ext uri="{FF2B5EF4-FFF2-40B4-BE49-F238E27FC236}">
-                <a16:creationId xmlns:a16="http://schemas.microsoft.com/office/drawing/2014/main" id="{F41104BC-B11A-4392-8767-AE94DF608990}"/>
-              </a:ext>
-            </a:extLst>
-          </p:cNvPr>
-          <p:cNvPicPr>
-            <a:picLocks noChangeAspect="1"/>
-          </p:cNvPicPr>
-          <p:nvPr/>
-        </p:nvPicPr>
-        <p:blipFill>
-          <a:blip r:embed="rId4"/>
-          <a:stretch>
-            <a:fillRect/>
-          </a:stretch>
-        </p:blipFill>
-        <p:spPr>
-          <a:xfrm>
-            <a:off x="7623717" y="2444441"/>
-            <a:ext cx="2687444" cy="1541656"/>
-          </a:xfrm>
-          <a:prstGeom prst="rect">
-            <a:avLst/>
-          </a:prstGeom>
-          <a:ln>
-            <a:solidFill>
-              <a:schemeClr val="tx1"/>
-            </a:solidFill>
-            <a:tailEnd type="triangle"/>
-          </a:ln>
-        </p:spPr>
-      </p:pic>
-      <p:cxnSp>
-        <p:nvCxnSpPr>
-          <p:cNvPr id="10" name="Straight Arrow Connector 9">
-            <a:extLst>
-              <a:ext uri="{FF2B5EF4-FFF2-40B4-BE49-F238E27FC236}">
-                <a16:creationId xmlns:a16="http://schemas.microsoft.com/office/drawing/2014/main" id="{97E8FF0F-8026-4B48-BC8E-2256889AB44B}"/>
-              </a:ext>
-            </a:extLst>
-          </p:cNvPr>
-          <p:cNvCxnSpPr>
-            <a:cxnSpLocks/>
-          </p:cNvCxnSpPr>
-          <p:nvPr/>
-        </p:nvCxnSpPr>
-        <p:spPr>
-          <a:xfrm>
-            <a:off x="7153508" y="3111190"/>
-            <a:ext cx="477643" cy="3719"/>
-          </a:xfrm>
-          <a:prstGeom prst="straightConnector1">
-            <a:avLst/>
-          </a:prstGeom>
-          <a:ln>
-            <a:solidFill>
-              <a:schemeClr val="tx1"/>
-            </a:solidFill>
-            <a:tailEnd type="triangle"/>
-          </a:ln>
-        </p:spPr>
-        <p:style>
-          <a:lnRef idx="1">
-            <a:schemeClr val="accent1"/>
-          </a:lnRef>
-          <a:fillRef idx="0">
-            <a:schemeClr val="accent1"/>
-          </a:fillRef>
-          <a:effectRef idx="0">
-            <a:schemeClr val="accent1"/>
-          </a:effectRef>
-          <a:fontRef idx="minor">
-            <a:schemeClr val="tx1"/>
-          </a:fontRef>
-        </p:style>
-      </p:cxnSp>
-      <p:pic>
-        <p:nvPicPr>
-          <p:cNvPr id="11" name="Picture 11" descr="Graphical user interface&#10;&#10;Description automatically generated">
-            <a:extLst>
-              <a:ext uri="{FF2B5EF4-FFF2-40B4-BE49-F238E27FC236}">
-                <a16:creationId xmlns:a16="http://schemas.microsoft.com/office/drawing/2014/main" id="{89BF7A6A-DD11-4CC4-95B0-3BCB6FF8DE52}"/>
-              </a:ext>
-            </a:extLst>
-          </p:cNvPr>
-          <p:cNvPicPr>
-            <a:picLocks noChangeAspect="1"/>
-          </p:cNvPicPr>
-          <p:nvPr/>
-        </p:nvPicPr>
-        <p:blipFill>
-          <a:blip r:embed="rId5"/>
-          <a:stretch>
-            <a:fillRect/>
-          </a:stretch>
-        </p:blipFill>
-        <p:spPr>
-          <a:xfrm>
-            <a:off x="7623718" y="4265806"/>
-            <a:ext cx="2687444" cy="1485900"/>
-          </a:xfrm>
-          <a:prstGeom prst="rect">
-            <a:avLst/>
-          </a:prstGeom>
-        </p:spPr>
-      </p:pic>
-      <p:cxnSp>
-        <p:nvCxnSpPr>
-          <p:cNvPr id="48" name="Straight Arrow Connector 47">
-            <a:extLst>
-              <a:ext uri="{FF2B5EF4-FFF2-40B4-BE49-F238E27FC236}">
-                <a16:creationId xmlns:a16="http://schemas.microsoft.com/office/drawing/2014/main" id="{86D1D8E0-9693-4FA9-9B3D-CD78997E80C8}"/>
-              </a:ext>
-            </a:extLst>
-          </p:cNvPr>
-          <p:cNvCxnSpPr>
-            <a:cxnSpLocks/>
-          </p:cNvCxnSpPr>
-          <p:nvPr/>
-        </p:nvCxnSpPr>
-        <p:spPr>
-          <a:xfrm>
-            <a:off x="8965581" y="3993994"/>
-            <a:ext cx="22302" cy="347548"/>
-          </a:xfrm>
-          <a:prstGeom prst="straightConnector1">
-            <a:avLst/>
-          </a:prstGeom>
-          <a:ln>
-            <a:solidFill>
-              <a:schemeClr val="tx1"/>
-            </a:solidFill>
-            <a:tailEnd type="triangle"/>
-          </a:ln>
-        </p:spPr>
-        <p:style>
-          <a:lnRef idx="1">
-            <a:schemeClr val="accent1"/>
-          </a:lnRef>
-          <a:fillRef idx="0">
-            <a:schemeClr val="accent1"/>
-          </a:fillRef>
-          <a:effectRef idx="0">
-            <a:schemeClr val="accent1"/>
-          </a:effectRef>
-          <a:fontRef idx="minor">
-            <a:schemeClr val="tx1"/>
-          </a:fontRef>
-        </p:style>
-      </p:cxnSp>
     </p:spTree>
     <p:extLst>
       <p:ext uri="{BB962C8B-B14F-4D97-AF65-F5344CB8AC3E}">
-        <p14:creationId xmlns:p14="http://schemas.microsoft.com/office/powerpoint/2010/main" val="845283867"/>
+        <p14:creationId xmlns:p14="http://schemas.microsoft.com/office/powerpoint/2010/main" val="2857398237"/>
       </p:ext>
     </p:extLst>
   </p:cSld>

--- a/final_project_presentation.pptx
+++ b/final_project_presentation.pptx
@@ -119,14 +119,6 @@
     </p:ext>
   </p:extLst>
 </p:presentation>
-</file>
-
-<file path=ppt/revisionInfo.xml><?xml version="1.0" encoding="utf-8"?>
-<p1510:revInfo xmlns:a="http://schemas.openxmlformats.org/drawingml/2006/main" xmlns:r="http://schemas.openxmlformats.org/officeDocument/2006/relationships" xmlns:p1510="http://schemas.microsoft.com/office/powerpoint/2015/10/main">
-  <p1510:revLst>
-    <p1510:client id="{A5137EE2-ACAF-4ABA-9474-953C36FF20DB}" v="142" dt="2021-12-10T03:29:11.682"/>
-  </p1510:revLst>
-</p1510:revInfo>
 </file>
 
 <file path=ppt/diagrams/colors1.xml><?xml version="1.0" encoding="utf-8"?>
@@ -1161,40 +1153,40 @@
         <a:p>
           <a:pPr rtl="0"/>
           <a:r>
-            <a:rPr lang="en-US"/>
+            <a:rPr lang="en-US" dirty="0"/>
             <a:t>Please install the dependencies , </a:t>
           </a:r>
           <a:r>
-            <a:rPr lang="en-US" err="1"/>
-            <a:t>lda</a:t>
-          </a:r>
-          <a:r>
-            <a:rPr lang="en-US"/>
-            <a:t>, </a:t>
-          </a:r>
-          <a:r>
-            <a:rPr lang="en-US" err="1"/>
+            <a:rPr lang="en-US" dirty="0" err="1"/>
             <a:t>gensim</a:t>
           </a:r>
           <a:r>
-            <a:rPr lang="en-US"/>
-            <a:t> </a:t>
+            <a:rPr lang="en-US" dirty="0"/>
+            <a:t>, LDA, </a:t>
           </a:r>
           <a:r>
-            <a:rPr lang="en-US" err="1"/>
-            <a:t>etc</a:t>
+            <a:rPr lang="en-US" dirty="0" err="1"/>
+            <a:t>webvtt-py</a:t>
           </a:r>
           <a:r>
-            <a:rPr lang="en-US"/>
+            <a:rPr lang="en-US" dirty="0"/>
+            <a:t> and </a:t>
+          </a:r>
+          <a:r>
+            <a:rPr lang="en-US" dirty="0" err="1"/>
+            <a:t>simplejson</a:t>
+          </a:r>
+          <a:r>
+            <a:rPr lang="en-US" dirty="0"/>
             <a:t> for the program to run successfully.</a:t>
           </a:r>
           <a:r>
-            <a:rPr lang="en-US">
+            <a:rPr lang="en-US" dirty="0">
               <a:latin typeface="Meiryo"/>
             </a:rPr>
             <a:t> </a:t>
           </a:r>
-          <a:endParaRPr lang="en-US"/>
+          <a:endParaRPr lang="en-US" dirty="0"/>
         </a:p>
       </dgm:t>
     </dgm:pt>
@@ -1519,20 +1511,20 @@
     <dgm:cxn modelId="{BA66C620-BD94-461E-8089-1D9D74B0D90F}" type="presOf" srcId="{89A6FDA0-853F-40CE-8687-2F8ECDCEFE9C}" destId="{F2352004-27D8-419E-A14A-A17F08B09486}" srcOrd="0" destOrd="0" presId="urn:microsoft.com/office/officeart/2016/7/layout/VerticalDownArrowProcess"/>
     <dgm:cxn modelId="{D6CA5F25-3940-4145-BFFE-8A380C5FA6CC}" type="presOf" srcId="{8905C975-D9F1-495E-8AC7-62ECE70FE8CA}" destId="{FDA44E15-CBB4-884A-BBBF-63B329DECC25}" srcOrd="0" destOrd="0" presId="urn:microsoft.com/office/officeart/2016/7/layout/VerticalDownArrowProcess"/>
     <dgm:cxn modelId="{0C58603E-952F-45BC-9220-AC257B9DA4F9}" type="presOf" srcId="{ECB968A0-A17E-41DE-B627-22FECCA4422D}" destId="{E2124DBD-4562-3E4F-9AD7-271839F25ED5}" srcOrd="1" destOrd="0" presId="urn:microsoft.com/office/officeart/2016/7/layout/VerticalDownArrowProcess"/>
+    <dgm:cxn modelId="{D1E9B84D-EF22-4B49-AE83-39A75C358FDD}" srcId="{CDF2B22A-A0E6-472E-8291-390EEA72B679}" destId="{8905C975-D9F1-495E-8AC7-62ECE70FE8CA}" srcOrd="1" destOrd="0" parTransId="{A94DF26D-87A6-4D11-8D25-75EF990391F8}" sibTransId="{0EE7C9F6-84B7-4B3E-B503-8043EF456124}"/>
+    <dgm:cxn modelId="{48F52651-0E1A-4304-B02F-9B71BEACA823}" type="presOf" srcId="{34AE558A-1C90-4EB9-BBEB-4176977388BB}" destId="{70D4E26E-D3D8-0845-BC34-8DCB247BF375}" srcOrd="0" destOrd="0" presId="urn:microsoft.com/office/officeart/2016/7/layout/VerticalDownArrowProcess"/>
     <dgm:cxn modelId="{AFC6E360-52BC-4986-912F-88C0AB638AB9}" type="presOf" srcId="{8FED4CC1-1EFD-4F04-A3DE-3CB022C9FDB8}" destId="{649B9117-0B40-AF4E-9189-BB944EEC8A57}" srcOrd="0" destOrd="0" presId="urn:microsoft.com/office/officeart/2016/7/layout/VerticalDownArrowProcess"/>
     <dgm:cxn modelId="{941BE560-30F5-45B7-949E-678B661185AC}" srcId="{CDF2B22A-A0E6-472E-8291-390EEA72B679}" destId="{8FED4CC1-1EFD-4F04-A3DE-3CB022C9FDB8}" srcOrd="3" destOrd="0" parTransId="{771C2494-572B-4C08-B0EA-685C1CBC4289}" sibTransId="{16DB9E61-4DD7-4BDD-BCE9-482518193AA6}"/>
     <dgm:cxn modelId="{EC156A64-882C-45E0-95AB-35FB409DA1FD}" type="presOf" srcId="{8AA67B60-5EDF-461D-8A6A-37BB7DB7BCD9}" destId="{BC7C9592-2076-A74E-8AEB-EABA925238E5}" srcOrd="0" destOrd="0" presId="urn:microsoft.com/office/officeart/2016/7/layout/VerticalDownArrowProcess"/>
-    <dgm:cxn modelId="{D1E9B84D-EF22-4B49-AE83-39A75C358FDD}" srcId="{CDF2B22A-A0E6-472E-8291-390EEA72B679}" destId="{8905C975-D9F1-495E-8AC7-62ECE70FE8CA}" srcOrd="1" destOrd="0" parTransId="{A94DF26D-87A6-4D11-8D25-75EF990391F8}" sibTransId="{0EE7C9F6-84B7-4B3E-B503-8043EF456124}"/>
     <dgm:cxn modelId="{18F69470-41E1-471D-ABF3-74EEA1D56893}" srcId="{CDF2B22A-A0E6-472E-8291-390EEA72B679}" destId="{ECB968A0-A17E-41DE-B627-22FECCA4422D}" srcOrd="0" destOrd="0" parTransId="{8D18F5E4-5389-4E28-86FB-970CCD4A776B}" sibTransId="{2309B580-B42D-414C-94FA-F5E2421A4F92}"/>
-    <dgm:cxn modelId="{48F52651-0E1A-4304-B02F-9B71BEACA823}" type="presOf" srcId="{34AE558A-1C90-4EB9-BBEB-4176977388BB}" destId="{70D4E26E-D3D8-0845-BC34-8DCB247BF375}" srcOrd="0" destOrd="0" presId="urn:microsoft.com/office/officeart/2016/7/layout/VerticalDownArrowProcess"/>
     <dgm:cxn modelId="{03B12682-E15F-493D-912C-61BB572481C3}" type="presOf" srcId="{EA266BA1-B65A-41C2-AD9C-13E9BDF3F1EC}" destId="{D2AC3E30-8B08-5240-9D7A-925782056387}" srcOrd="0" destOrd="0" presId="urn:microsoft.com/office/officeart/2016/7/layout/VerticalDownArrowProcess"/>
     <dgm:cxn modelId="{DF9D078D-89D8-405C-8DEC-9460E432C5B4}" srcId="{8905C975-D9F1-495E-8AC7-62ECE70FE8CA}" destId="{2CB1FBD5-4079-41D4-B931-7F3D3F3716EA}" srcOrd="0" destOrd="0" parTransId="{7A6E5E92-DEDC-4042-AAC8-EABF84F84AE8}" sibTransId="{D73C6C31-9F7E-487E-B9B1-7EAE403D8202}"/>
     <dgm:cxn modelId="{B1CB0496-B80E-435C-98E3-D00112EE358D}" srcId="{CDF2B22A-A0E6-472E-8291-390EEA72B679}" destId="{3C0DB197-3293-4F6A-8C1F-5D63D0712156}" srcOrd="4" destOrd="0" parTransId="{86909AC2-842D-41CE-B685-4E70C2C227D5}" sibTransId="{AF3CCAF7-763A-4AED-BB74-46DAF78C33AC}"/>
     <dgm:cxn modelId="{D7F2A296-8E3A-42A6-96A3-20EF1564F3BB}" type="presOf" srcId="{9B380766-35EF-4951-9D2C-A8C17DF981D5}" destId="{BC7C9592-2076-A74E-8AEB-EABA925238E5}" srcOrd="0" destOrd="1" presId="urn:microsoft.com/office/officeart/2016/7/layout/VerticalDownArrowProcess"/>
     <dgm:cxn modelId="{3FDA2C99-1887-4C6F-B072-89C5C09C208C}" srcId="{1C963F47-B9B3-4680-BEE2-B54534CDDBBB}" destId="{34AE558A-1C90-4EB9-BBEB-4176977388BB}" srcOrd="0" destOrd="0" parTransId="{46FC97D8-BF1F-4D69-865B-770A76FBC4BB}" sibTransId="{4A40C9DC-08B2-43F7-AC81-5231044D2FA6}"/>
     <dgm:cxn modelId="{61685EB8-9F6E-478C-AB20-29B122BDF7DD}" srcId="{8FED4CC1-1EFD-4F04-A3DE-3CB022C9FDB8}" destId="{EA266BA1-B65A-41C2-AD9C-13E9BDF3F1EC}" srcOrd="0" destOrd="0" parTransId="{4973F3F5-E473-46B3-9760-EDC933ADC80B}" sibTransId="{8E65B36E-F76F-4083-8FB9-9DA5B933F5F4}"/>
+    <dgm:cxn modelId="{A94746DC-AF1C-426D-9F06-6FA8315FF04E}" type="presOf" srcId="{1C963F47-B9B3-4680-BEE2-B54534CDDBBB}" destId="{4C175256-96EF-DC41-A6AD-A25EA8CBFAED}" srcOrd="0" destOrd="0" presId="urn:microsoft.com/office/officeart/2016/7/layout/VerticalDownArrowProcess"/>
     <dgm:cxn modelId="{30B85CDC-7E6F-4B45-93C6-C1D65BD65EA1}" srcId="{8AA67B60-5EDF-461D-8A6A-37BB7DB7BCD9}" destId="{9B380766-35EF-4951-9D2C-A8C17DF981D5}" srcOrd="0" destOrd="0" parTransId="{5B6AF415-3F9C-43D2-8882-4A99345B7F57}" sibTransId="{9DC21498-BD3F-4D42-BEC8-AB40F80DCD17}"/>
-    <dgm:cxn modelId="{A94746DC-AF1C-426D-9F06-6FA8315FF04E}" type="presOf" srcId="{1C963F47-B9B3-4680-BEE2-B54534CDDBBB}" destId="{4C175256-96EF-DC41-A6AD-A25EA8CBFAED}" srcOrd="0" destOrd="0" presId="urn:microsoft.com/office/officeart/2016/7/layout/VerticalDownArrowProcess"/>
     <dgm:cxn modelId="{0A418DDE-050B-4F1A-8E16-184F65EB6CDB}" type="presOf" srcId="{1C963F47-B9B3-4680-BEE2-B54534CDDBBB}" destId="{F21D9D13-4154-C444-BEC4-491AF3D39826}" srcOrd="1" destOrd="0" presId="urn:microsoft.com/office/officeart/2016/7/layout/VerticalDownArrowProcess"/>
     <dgm:cxn modelId="{C7BF21E7-27ED-47B0-AF85-60D4FB6DA2D4}" type="presOf" srcId="{3C0DB197-3293-4F6A-8C1F-5D63D0712156}" destId="{E57FCB3B-FE56-43ED-8C1E-2BAA281411C3}" srcOrd="0" destOrd="0" presId="urn:microsoft.com/office/officeart/2016/7/layout/VerticalDownArrowProcess"/>
     <dgm:cxn modelId="{2F8168E7-4846-4136-B269-7E42A2D63A67}" type="presOf" srcId="{8905C975-D9F1-495E-8AC7-62ECE70FE8CA}" destId="{9383A840-975A-ED48-A94F-B6CB2A98A559}" srcOrd="1" destOrd="0" presId="urn:microsoft.com/office/officeart/2016/7/layout/VerticalDownArrowProcess"/>
@@ -1567,7 +1559,7 @@
   <dgm:whole/>
   <dgm:extLst>
     <a:ext uri="http://schemas.microsoft.com/office/drawing/2008/diagram">
-      <dsp:dataModelExt xmlns:dsp="http://schemas.microsoft.com/office/drawing/2008/diagram" relId="rId6" minVer="http://schemas.openxmlformats.org/drawingml/2006/diagram"/>
+      <dsp:dataModelExt xmlns:dsp="http://schemas.microsoft.com/office/drawing/2008/diagram" relId="rId8" minVer="http://schemas.openxmlformats.org/drawingml/2006/diagram"/>
     </a:ext>
   </dgm:extLst>
 </dgm:dataModel>
@@ -2092,40 +2084,40 @@
             <a:buNone/>
           </a:pPr>
           <a:r>
-            <a:rPr lang="en-US" sz="1100" kern="1200"/>
+            <a:rPr lang="en-US" sz="1100" kern="1200" dirty="0"/>
             <a:t>Please install the dependencies , </a:t>
           </a:r>
           <a:r>
-            <a:rPr lang="en-US" sz="1100" kern="1200" err="1"/>
-            <a:t>lda</a:t>
-          </a:r>
-          <a:r>
-            <a:rPr lang="en-US" sz="1100" kern="1200"/>
-            <a:t>, </a:t>
-          </a:r>
-          <a:r>
-            <a:rPr lang="en-US" sz="1100" kern="1200" err="1"/>
+            <a:rPr lang="en-US" sz="1100" kern="1200" dirty="0" err="1"/>
             <a:t>gensim</a:t>
           </a:r>
           <a:r>
-            <a:rPr lang="en-US" sz="1100" kern="1200"/>
-            <a:t> </a:t>
+            <a:rPr lang="en-US" sz="1100" kern="1200" dirty="0"/>
+            <a:t>, LDA, </a:t>
           </a:r>
           <a:r>
-            <a:rPr lang="en-US" sz="1100" kern="1200" err="1"/>
-            <a:t>etc</a:t>
+            <a:rPr lang="en-US" sz="1100" kern="1200" dirty="0" err="1"/>
+            <a:t>webvtt-py</a:t>
           </a:r>
           <a:r>
-            <a:rPr lang="en-US" sz="1100" kern="1200"/>
+            <a:rPr lang="en-US" sz="1100" kern="1200" dirty="0"/>
+            <a:t> and </a:t>
+          </a:r>
+          <a:r>
+            <a:rPr lang="en-US" sz="1100" kern="1200" dirty="0" err="1"/>
+            <a:t>simplejson</a:t>
+          </a:r>
+          <a:r>
+            <a:rPr lang="en-US" sz="1100" kern="1200" dirty="0"/>
             <a:t> for the program to run successfully.</a:t>
           </a:r>
           <a:r>
-            <a:rPr lang="en-US" sz="1100" kern="1200">
+            <a:rPr lang="en-US" sz="1100" kern="1200" dirty="0">
               <a:latin typeface="Meiryo"/>
             </a:rPr>
             <a:t> </a:t>
           </a:r>
-          <a:endParaRPr lang="en-US" sz="1100" kern="1200"/>
+          <a:endParaRPr lang="en-US" sz="1100" kern="1200" dirty="0"/>
         </a:p>
       </dsp:txBody>
       <dsp:txXfrm>
@@ -4093,7 +4085,7 @@
           <a:p>
             <a:fld id="{12241623-A064-4BED-B073-BA4D61433402}" type="datetime1">
               <a:rPr lang="en-US" smtClean="0"/>
-              <a:t>12/9/2021</a:t>
+              <a:t>12/9/21</a:t>
             </a:fld>
             <a:endParaRPr lang="en-US"/>
           </a:p>
@@ -4902,7 +4894,7 @@
           <a:p>
             <a:fld id="{6F86ED0C-1DA7-41F0-94CF-6218B1FEDFF1}" type="datetime1">
               <a:rPr lang="en-US" smtClean="0"/>
-              <a:t>12/9/2021</a:t>
+              <a:t>12/9/21</a:t>
             </a:fld>
             <a:endParaRPr lang="en-US"/>
           </a:p>
@@ -5099,7 +5091,7 @@
           <a:p>
             <a:fld id="{EECF02AB-6034-4B88-BC5A-7C17CB0EF809}" type="datetime1">
               <a:rPr lang="en-US" smtClean="0"/>
-              <a:t>12/9/2021</a:t>
+              <a:t>12/9/21</a:t>
             </a:fld>
             <a:endParaRPr lang="en-US"/>
           </a:p>
@@ -5332,7 +5324,7 @@
           <a:p>
             <a:fld id="{22F3E5F3-28EE-488F-BD53-B744C06C3DEC}" type="datetime1">
               <a:rPr lang="en-US" smtClean="0"/>
-              <a:t>12/9/2021</a:t>
+              <a:t>12/9/21</a:t>
             </a:fld>
             <a:endParaRPr lang="en-US"/>
           </a:p>
@@ -8024,7 +8016,7 @@
           <a:p>
             <a:fld id="{E72EB70D-CD01-44DA-83B3-8FEB3383D307}" type="datetime1">
               <a:rPr lang="en-US" smtClean="0"/>
-              <a:t>12/9/2021</a:t>
+              <a:t>12/9/21</a:t>
             </a:fld>
             <a:endParaRPr lang="en-US"/>
           </a:p>
@@ -8217,7 +8209,7 @@
           <a:p>
             <a:fld id="{D0158CFD-9357-46BE-A189-D637A67C8730}" type="datetime1">
               <a:rPr lang="en-US" smtClean="0"/>
-              <a:t>12/9/2021</a:t>
+              <a:t>12/9/21</a:t>
             </a:fld>
             <a:endParaRPr lang="en-US"/>
           </a:p>
@@ -8604,7 +8596,7 @@
           <a:p>
             <a:fld id="{7B4742EE-B331-4632-BD10-A82FED6B6FC0}" type="datetime1">
               <a:rPr lang="en-US" smtClean="0"/>
-              <a:t>12/9/2021</a:t>
+              <a:t>12/9/21</a:t>
             </a:fld>
             <a:endParaRPr lang="en-US"/>
           </a:p>
@@ -8769,7 +8761,7 @@
           <a:p>
             <a:fld id="{451BA835-D13F-49F4-8F11-5D576AC65FAD}" type="datetime1">
               <a:rPr lang="en-US" smtClean="0"/>
-              <a:t>12/9/2021</a:t>
+              <a:t>12/9/21</a:t>
             </a:fld>
             <a:endParaRPr lang="en-US"/>
           </a:p>
@@ -8892,7 +8884,7 @@
           <a:p>
             <a:fld id="{ADBD1799-ACB5-4CB2-86A2-5C574F1C8706}" type="datetime1">
               <a:rPr lang="en-US" smtClean="0"/>
-              <a:t>12/9/2021</a:t>
+              <a:t>12/9/21</a:t>
             </a:fld>
             <a:endParaRPr lang="en-US"/>
           </a:p>
@@ -9200,7 +9192,7 @@
           <a:p>
             <a:fld id="{ED5DD0D6-7A82-473E-879B-C6ECD6CCCFEC}" type="datetime1">
               <a:rPr lang="en-US" smtClean="0"/>
-              <a:t>12/9/2021</a:t>
+              <a:t>12/9/21</a:t>
             </a:fld>
             <a:endParaRPr lang="en-US"/>
           </a:p>
@@ -9498,7 +9490,7 @@
           <a:p>
             <a:fld id="{D4605E03-BC17-41A7-854C-DFAB672737DC}" type="datetime1">
               <a:rPr lang="en-US" smtClean="0"/>
-              <a:t>12/9/2021</a:t>
+              <a:t>12/9/21</a:t>
             </a:fld>
             <a:endParaRPr lang="en-US"/>
           </a:p>
@@ -9748,7 +9740,7 @@
           <a:p>
             <a:fld id="{C4408324-A84C-4A45-93B6-78D079CCE772}" type="datetime1">
               <a:rPr lang="en-US" smtClean="0"/>
-              <a:t>12/9/2021</a:t>
+              <a:t>12/9/21</a:t>
             </a:fld>
             <a:endParaRPr lang="en-US"/>
           </a:p>
@@ -10342,7 +10334,7 @@
           <p:nvPr/>
         </p:nvPicPr>
         <p:blipFill rotWithShape="1">
-          <a:blip r:embed="rId2"/>
+          <a:blip r:embed="rId4"/>
           <a:srcRect t="10731" r="2" b="2"/>
           <a:stretch/>
         </p:blipFill>
@@ -11055,6 +11047,44 @@
           </a:p>
         </p:txBody>
       </p:sp>
+      <p:pic>
+        <p:nvPicPr>
+          <p:cNvPr id="9" name="Audio 8">
+            <a:hlinkClick r:id="" action="ppaction://media"/>
+            <a:extLst>
+              <a:ext uri="{FF2B5EF4-FFF2-40B4-BE49-F238E27FC236}">
+                <a16:creationId xmlns:a16="http://schemas.microsoft.com/office/drawing/2014/main" id="{68FBAE32-6E8E-5940-9407-9F1593DFA098}"/>
+              </a:ext>
+            </a:extLst>
+          </p:cNvPr>
+          <p:cNvPicPr>
+            <a:picLocks noChangeAspect="1"/>
+          </p:cNvPicPr>
+          <p:nvPr>
+            <a:audioFile r:link="rId2"/>
+            <p:extLst>
+              <p:ext uri="{DAA4B4D4-6D71-4841-9C94-3DE7FCFB9230}">
+                <p14:media xmlns:p14="http://schemas.microsoft.com/office/powerpoint/2010/main" r:embed="rId1"/>
+              </p:ext>
+            </p:extLst>
+          </p:nvPr>
+        </p:nvPicPr>
+        <p:blipFill>
+          <a:blip r:embed="rId5"/>
+          <a:stretch>
+            <a:fillRect/>
+          </a:stretch>
+        </p:blipFill>
+        <p:spPr>
+          <a:xfrm>
+            <a:off x="11226800" y="5892800"/>
+            <a:ext cx="812800" cy="812800"/>
+          </a:xfrm>
+          <a:prstGeom prst="rect">
+            <a:avLst/>
+          </a:prstGeom>
+        </p:spPr>
+      </p:pic>
     </p:spTree>
     <p:extLst>
       <p:ext uri="{BB962C8B-B14F-4D97-AF65-F5344CB8AC3E}">
@@ -11065,6 +11095,101 @@
   <p:clrMapOvr>
     <a:masterClrMapping/>
   </p:clrMapOvr>
+  <mc:AlternateContent xmlns:mc="http://schemas.openxmlformats.org/markup-compatibility/2006">
+    <mc:Choice xmlns:p14="http://schemas.microsoft.com/office/powerpoint/2010/main" Requires="p14">
+      <p:transition spd="slow" p14:dur="2000" advTm="14247"/>
+    </mc:Choice>
+    <mc:Fallback>
+      <p:transition spd="slow" advTm="14247"/>
+    </mc:Fallback>
+  </mc:AlternateContent>
+  <p:timing>
+    <p:tnLst>
+      <p:par>
+        <p:cTn id="1" dur="indefinite" restart="never" nodeType="tmRoot">
+          <p:childTnLst>
+            <p:seq concurrent="1" nextAc="seek">
+              <p:cTn id="2" dur="indefinite" nodeType="mainSeq">
+                <p:childTnLst>
+                  <p:par>
+                    <p:cTn id="3" fill="hold">
+                      <p:stCondLst>
+                        <p:cond delay="indefinite"/>
+                        <p:cond evt="onBegin" delay="0">
+                          <p:tn val="2"/>
+                        </p:cond>
+                      </p:stCondLst>
+                      <p:childTnLst>
+                        <p:par>
+                          <p:cTn id="4" fill="hold">
+                            <p:stCondLst>
+                              <p:cond delay="0"/>
+                            </p:stCondLst>
+                            <p:childTnLst>
+                              <p:par>
+                                <p:cTn id="5" presetID="1" presetClass="mediacall" presetSubtype="0" fill="hold" nodeType="afterEffect">
+                                  <p:stCondLst>
+                                    <p:cond delay="0"/>
+                                  </p:stCondLst>
+                                  <p:childTnLst>
+                                    <p:cmd type="call" cmd="playFrom(0.0)">
+                                      <p:cBhvr>
+                                        <p:cTn id="6" dur="1" fill="hold"/>
+                                        <p:tgtEl>
+                                          <p:spTgt spid="9"/>
+                                        </p:tgtEl>
+                                      </p:cBhvr>
+                                    </p:cmd>
+                                  </p:childTnLst>
+                                </p:cTn>
+                              </p:par>
+                            </p:childTnLst>
+                          </p:cTn>
+                        </p:par>
+                      </p:childTnLst>
+                    </p:cTn>
+                  </p:par>
+                </p:childTnLst>
+              </p:cTn>
+              <p:prevCondLst>
+                <p:cond evt="onPrev" delay="0">
+                  <p:tgtEl>
+                    <p:sldTgt/>
+                  </p:tgtEl>
+                </p:cond>
+              </p:prevCondLst>
+              <p:nextCondLst>
+                <p:cond evt="onNext" delay="0">
+                  <p:tgtEl>
+                    <p:sldTgt/>
+                  </p:tgtEl>
+                </p:cond>
+              </p:nextCondLst>
+            </p:seq>
+            <p:audio isNarration="1">
+              <p:cMediaNode vol="80000" showWhenStopped="0">
+                <p:cTn id="7" fill="hold" display="0">
+                  <p:stCondLst>
+                    <p:cond delay="indefinite"/>
+                  </p:stCondLst>
+                  <p:endCondLst>
+                    <p:cond evt="onStopAudio" delay="0">
+                      <p:tgtEl>
+                        <p:sldTgt/>
+                      </p:tgtEl>
+                    </p:cond>
+                  </p:endCondLst>
+                </p:cTn>
+                <p:tgtEl>
+                  <p:spTgt spid="9"/>
+                </p:tgtEl>
+              </p:cMediaNode>
+            </p:audio>
+          </p:childTnLst>
+        </p:cTn>
+      </p:par>
+    </p:tnLst>
+  </p:timing>
 </p:sld>
 </file>
 
@@ -11100,7 +11225,7 @@
           <p:nvPr/>
         </p:nvPicPr>
         <p:blipFill>
-          <a:blip r:embed="rId2"/>
+          <a:blip r:embed="rId4"/>
           <a:stretch>
             <a:fillRect/>
           </a:stretch>
@@ -11109,6 +11234,44 @@
           <a:xfrm>
             <a:off x="1083502" y="406684"/>
             <a:ext cx="10308910" cy="5505601"/>
+          </a:xfrm>
+          <a:prstGeom prst="rect">
+            <a:avLst/>
+          </a:prstGeom>
+        </p:spPr>
+      </p:pic>
+      <p:pic>
+        <p:nvPicPr>
+          <p:cNvPr id="4" name="Audio 3">
+            <a:hlinkClick r:id="" action="ppaction://media"/>
+            <a:extLst>
+              <a:ext uri="{FF2B5EF4-FFF2-40B4-BE49-F238E27FC236}">
+                <a16:creationId xmlns:a16="http://schemas.microsoft.com/office/drawing/2014/main" id="{97C18BA0-92DD-1740-A6A9-9ABB46D48306}"/>
+              </a:ext>
+            </a:extLst>
+          </p:cNvPr>
+          <p:cNvPicPr>
+            <a:picLocks noChangeAspect="1"/>
+          </p:cNvPicPr>
+          <p:nvPr>
+            <a:audioFile r:link="rId2"/>
+            <p:extLst>
+              <p:ext uri="{DAA4B4D4-6D71-4841-9C94-3DE7FCFB9230}">
+                <p14:media xmlns:p14="http://schemas.microsoft.com/office/powerpoint/2010/main" r:embed="rId1"/>
+              </p:ext>
+            </p:extLst>
+          </p:nvPr>
+        </p:nvPicPr>
+        <p:blipFill>
+          <a:blip r:embed="rId5"/>
+          <a:stretch>
+            <a:fillRect/>
+          </a:stretch>
+        </p:blipFill>
+        <p:spPr>
+          <a:xfrm>
+            <a:off x="11226800" y="5892800"/>
+            <a:ext cx="812800" cy="812800"/>
           </a:xfrm>
           <a:prstGeom prst="rect">
             <a:avLst/>
@@ -11125,6 +11288,101 @@
   <p:clrMapOvr>
     <a:masterClrMapping/>
   </p:clrMapOvr>
+  <mc:AlternateContent xmlns:mc="http://schemas.openxmlformats.org/markup-compatibility/2006">
+    <mc:Choice xmlns:p14="http://schemas.microsoft.com/office/powerpoint/2010/main" Requires="p14">
+      <p:transition spd="slow" p14:dur="2000" advTm="41998"/>
+    </mc:Choice>
+    <mc:Fallback>
+      <p:transition spd="slow" advTm="41998"/>
+    </mc:Fallback>
+  </mc:AlternateContent>
+  <p:timing>
+    <p:tnLst>
+      <p:par>
+        <p:cTn id="1" dur="indefinite" restart="never" nodeType="tmRoot">
+          <p:childTnLst>
+            <p:seq concurrent="1" nextAc="seek">
+              <p:cTn id="2" dur="indefinite" nodeType="mainSeq">
+                <p:childTnLst>
+                  <p:par>
+                    <p:cTn id="3" fill="hold">
+                      <p:stCondLst>
+                        <p:cond delay="indefinite"/>
+                        <p:cond evt="onBegin" delay="0">
+                          <p:tn val="2"/>
+                        </p:cond>
+                      </p:stCondLst>
+                      <p:childTnLst>
+                        <p:par>
+                          <p:cTn id="4" fill="hold">
+                            <p:stCondLst>
+                              <p:cond delay="0"/>
+                            </p:stCondLst>
+                            <p:childTnLst>
+                              <p:par>
+                                <p:cTn id="5" presetID="1" presetClass="mediacall" presetSubtype="0" fill="hold" nodeType="afterEffect">
+                                  <p:stCondLst>
+                                    <p:cond delay="0"/>
+                                  </p:stCondLst>
+                                  <p:childTnLst>
+                                    <p:cmd type="call" cmd="playFrom(0.0)">
+                                      <p:cBhvr>
+                                        <p:cTn id="6" dur="1" fill="hold"/>
+                                        <p:tgtEl>
+                                          <p:spTgt spid="4"/>
+                                        </p:tgtEl>
+                                      </p:cBhvr>
+                                    </p:cmd>
+                                  </p:childTnLst>
+                                </p:cTn>
+                              </p:par>
+                            </p:childTnLst>
+                          </p:cTn>
+                        </p:par>
+                      </p:childTnLst>
+                    </p:cTn>
+                  </p:par>
+                </p:childTnLst>
+              </p:cTn>
+              <p:prevCondLst>
+                <p:cond evt="onPrev" delay="0">
+                  <p:tgtEl>
+                    <p:sldTgt/>
+                  </p:tgtEl>
+                </p:cond>
+              </p:prevCondLst>
+              <p:nextCondLst>
+                <p:cond evt="onNext" delay="0">
+                  <p:tgtEl>
+                    <p:sldTgt/>
+                  </p:tgtEl>
+                </p:cond>
+              </p:nextCondLst>
+            </p:seq>
+            <p:audio isNarration="1">
+              <p:cMediaNode vol="80000" showWhenStopped="0">
+                <p:cTn id="7" fill="hold" display="0">
+                  <p:stCondLst>
+                    <p:cond delay="indefinite"/>
+                  </p:stCondLst>
+                  <p:endCondLst>
+                    <p:cond evt="onStopAudio" delay="0">
+                      <p:tgtEl>
+                        <p:sldTgt/>
+                      </p:tgtEl>
+                    </p:cond>
+                  </p:endCondLst>
+                </p:cTn>
+                <p:tgtEl>
+                  <p:spTgt spid="4"/>
+                </p:tgtEl>
+              </p:cMediaNode>
+            </p:audio>
+          </p:childTnLst>
+        </p:cTn>
+      </p:par>
+    </p:tnLst>
+  </p:timing>
 </p:sld>
 </file>
 
@@ -12015,6 +12273,44 @@
           </a:p>
         </p:txBody>
       </p:sp>
+      <p:pic>
+        <p:nvPicPr>
+          <p:cNvPr id="6" name="Audio 5">
+            <a:hlinkClick r:id="" action="ppaction://media"/>
+            <a:extLst>
+              <a:ext uri="{FF2B5EF4-FFF2-40B4-BE49-F238E27FC236}">
+                <a16:creationId xmlns:a16="http://schemas.microsoft.com/office/drawing/2014/main" id="{97CF3183-FA1A-8543-AE94-03D5EA8C8968}"/>
+              </a:ext>
+            </a:extLst>
+          </p:cNvPr>
+          <p:cNvPicPr>
+            <a:picLocks noChangeAspect="1"/>
+          </p:cNvPicPr>
+          <p:nvPr>
+            <a:audioFile r:link="rId2"/>
+            <p:extLst>
+              <p:ext uri="{DAA4B4D4-6D71-4841-9C94-3DE7FCFB9230}">
+                <p14:media xmlns:p14="http://schemas.microsoft.com/office/powerpoint/2010/main" r:embed="rId1"/>
+              </p:ext>
+            </p:extLst>
+          </p:nvPr>
+        </p:nvPicPr>
+        <p:blipFill>
+          <a:blip r:embed="rId4"/>
+          <a:stretch>
+            <a:fillRect/>
+          </a:stretch>
+        </p:blipFill>
+        <p:spPr>
+          <a:xfrm>
+            <a:off x="11226800" y="5892800"/>
+            <a:ext cx="812800" cy="812800"/>
+          </a:xfrm>
+          <a:prstGeom prst="rect">
+            <a:avLst/>
+          </a:prstGeom>
+        </p:spPr>
+      </p:pic>
     </p:spTree>
     <p:extLst>
       <p:ext uri="{BB962C8B-B14F-4D97-AF65-F5344CB8AC3E}">
@@ -12025,6 +12321,101 @@
   <p:clrMapOvr>
     <a:masterClrMapping/>
   </p:clrMapOvr>
+  <mc:AlternateContent xmlns:mc="http://schemas.openxmlformats.org/markup-compatibility/2006">
+    <mc:Choice xmlns:p14="http://schemas.microsoft.com/office/powerpoint/2010/main" Requires="p14">
+      <p:transition spd="slow" p14:dur="2000" advTm="76760"/>
+    </mc:Choice>
+    <mc:Fallback>
+      <p:transition spd="slow" advTm="76760"/>
+    </mc:Fallback>
+  </mc:AlternateContent>
+  <p:timing>
+    <p:tnLst>
+      <p:par>
+        <p:cTn id="1" dur="indefinite" restart="never" nodeType="tmRoot">
+          <p:childTnLst>
+            <p:seq concurrent="1" nextAc="seek">
+              <p:cTn id="2" dur="indefinite" nodeType="mainSeq">
+                <p:childTnLst>
+                  <p:par>
+                    <p:cTn id="3" fill="hold">
+                      <p:stCondLst>
+                        <p:cond delay="indefinite"/>
+                        <p:cond evt="onBegin" delay="0">
+                          <p:tn val="2"/>
+                        </p:cond>
+                      </p:stCondLst>
+                      <p:childTnLst>
+                        <p:par>
+                          <p:cTn id="4" fill="hold">
+                            <p:stCondLst>
+                              <p:cond delay="0"/>
+                            </p:stCondLst>
+                            <p:childTnLst>
+                              <p:par>
+                                <p:cTn id="5" presetID="1" presetClass="mediacall" presetSubtype="0" fill="hold" nodeType="afterEffect">
+                                  <p:stCondLst>
+                                    <p:cond delay="0"/>
+                                  </p:stCondLst>
+                                  <p:childTnLst>
+                                    <p:cmd type="call" cmd="playFrom(0.0)">
+                                      <p:cBhvr>
+                                        <p:cTn id="6" dur="1" fill="hold"/>
+                                        <p:tgtEl>
+                                          <p:spTgt spid="6"/>
+                                        </p:tgtEl>
+                                      </p:cBhvr>
+                                    </p:cmd>
+                                  </p:childTnLst>
+                                </p:cTn>
+                              </p:par>
+                            </p:childTnLst>
+                          </p:cTn>
+                        </p:par>
+                      </p:childTnLst>
+                    </p:cTn>
+                  </p:par>
+                </p:childTnLst>
+              </p:cTn>
+              <p:prevCondLst>
+                <p:cond evt="onPrev" delay="0">
+                  <p:tgtEl>
+                    <p:sldTgt/>
+                  </p:tgtEl>
+                </p:cond>
+              </p:prevCondLst>
+              <p:nextCondLst>
+                <p:cond evt="onNext" delay="0">
+                  <p:tgtEl>
+                    <p:sldTgt/>
+                  </p:tgtEl>
+                </p:cond>
+              </p:nextCondLst>
+            </p:seq>
+            <p:audio isNarration="1">
+              <p:cMediaNode vol="80000" showWhenStopped="0">
+                <p:cTn id="7" fill="hold" display="0">
+                  <p:stCondLst>
+                    <p:cond delay="indefinite"/>
+                  </p:stCondLst>
+                  <p:endCondLst>
+                    <p:cond evt="onStopAudio" delay="0">
+                      <p:tgtEl>
+                        <p:sldTgt/>
+                      </p:tgtEl>
+                    </p:cond>
+                  </p:endCondLst>
+                </p:cTn>
+                <p:tgtEl>
+                  <p:spTgt spid="6"/>
+                </p:tgtEl>
+              </p:cMediaNode>
+            </p:audio>
+          </p:childTnLst>
+        </p:cTn>
+      </p:par>
+    </p:tnLst>
+  </p:timing>
 </p:sld>
 </file>
 
@@ -12899,7 +13290,7 @@
             <p:ph idx="1"/>
             <p:extLst>
               <p:ext uri="{D42A27DB-BD31-4B8C-83A1-F6EECF244321}">
-                <p14:modId xmlns:p14="http://schemas.microsoft.com/office/powerpoint/2010/main" val="3854808748"/>
+                <p14:modId xmlns:p14="http://schemas.microsoft.com/office/powerpoint/2010/main" val="876201921"/>
               </p:ext>
             </p:extLst>
           </p:nvPr>
@@ -12910,7 +13301,7 @@
         </p:xfrm>
         <a:graphic>
           <a:graphicData uri="http://schemas.openxmlformats.org/drawingml/2006/diagram">
-            <dgm:relIds xmlns:dgm="http://schemas.openxmlformats.org/drawingml/2006/diagram" xmlns:r="http://schemas.openxmlformats.org/officeDocument/2006/relationships" r:dm="rId2" r:lo="rId3" r:qs="rId4" r:cs="rId5"/>
+            <dgm:relIds xmlns:dgm="http://schemas.openxmlformats.org/drawingml/2006/diagram" xmlns:r="http://schemas.openxmlformats.org/officeDocument/2006/relationships" r:dm="rId4" r:lo="rId5" r:qs="rId6" r:cs="rId7"/>
           </a:graphicData>
         </a:graphic>
       </p:graphicFrame>
@@ -12929,7 +13320,7 @@
           <p:nvPr/>
         </p:nvPicPr>
         <p:blipFill>
-          <a:blip r:embed="rId7"/>
+          <a:blip r:embed="rId9"/>
           <a:stretch>
             <a:fillRect/>
           </a:stretch>
@@ -12938,6 +13329,44 @@
           <a:xfrm>
             <a:off x="1434791" y="5814224"/>
             <a:ext cx="4499516" cy="684360"/>
+          </a:xfrm>
+          <a:prstGeom prst="rect">
+            <a:avLst/>
+          </a:prstGeom>
+        </p:spPr>
+      </p:pic>
+      <p:pic>
+        <p:nvPicPr>
+          <p:cNvPr id="4" name="Audio 3">
+            <a:hlinkClick r:id="" action="ppaction://media"/>
+            <a:extLst>
+              <a:ext uri="{FF2B5EF4-FFF2-40B4-BE49-F238E27FC236}">
+                <a16:creationId xmlns:a16="http://schemas.microsoft.com/office/drawing/2014/main" id="{07A14FD9-180E-9849-B12D-735DB260ACAD}"/>
+              </a:ext>
+            </a:extLst>
+          </p:cNvPr>
+          <p:cNvPicPr>
+            <a:picLocks noChangeAspect="1"/>
+          </p:cNvPicPr>
+          <p:nvPr>
+            <a:audioFile r:link="rId2"/>
+            <p:extLst>
+              <p:ext uri="{DAA4B4D4-6D71-4841-9C94-3DE7FCFB9230}">
+                <p14:media xmlns:p14="http://schemas.microsoft.com/office/powerpoint/2010/main" r:embed="rId1"/>
+              </p:ext>
+            </p:extLst>
+          </p:nvPr>
+        </p:nvPicPr>
+        <p:blipFill>
+          <a:blip r:embed="rId10"/>
+          <a:stretch>
+            <a:fillRect/>
+          </a:stretch>
+        </p:blipFill>
+        <p:spPr>
+          <a:xfrm>
+            <a:off x="11226800" y="5892800"/>
+            <a:ext cx="812800" cy="812800"/>
           </a:xfrm>
           <a:prstGeom prst="rect">
             <a:avLst/>
@@ -12954,6 +13383,101 @@
   <p:clrMapOvr>
     <a:masterClrMapping/>
   </p:clrMapOvr>
+  <mc:AlternateContent xmlns:mc="http://schemas.openxmlformats.org/markup-compatibility/2006">
+    <mc:Choice xmlns:p14="http://schemas.microsoft.com/office/powerpoint/2010/main" Requires="p14">
+      <p:transition spd="slow" p14:dur="2000" advTm="92974"/>
+    </mc:Choice>
+    <mc:Fallback>
+      <p:transition spd="slow" advTm="92974"/>
+    </mc:Fallback>
+  </mc:AlternateContent>
+  <p:timing>
+    <p:tnLst>
+      <p:par>
+        <p:cTn id="1" dur="indefinite" restart="never" nodeType="tmRoot">
+          <p:childTnLst>
+            <p:seq concurrent="1" nextAc="seek">
+              <p:cTn id="2" dur="indefinite" nodeType="mainSeq">
+                <p:childTnLst>
+                  <p:par>
+                    <p:cTn id="3" fill="hold">
+                      <p:stCondLst>
+                        <p:cond delay="indefinite"/>
+                        <p:cond evt="onBegin" delay="0">
+                          <p:tn val="2"/>
+                        </p:cond>
+                      </p:stCondLst>
+                      <p:childTnLst>
+                        <p:par>
+                          <p:cTn id="4" fill="hold">
+                            <p:stCondLst>
+                              <p:cond delay="0"/>
+                            </p:stCondLst>
+                            <p:childTnLst>
+                              <p:par>
+                                <p:cTn id="5" presetID="1" presetClass="mediacall" presetSubtype="0" fill="hold" nodeType="afterEffect">
+                                  <p:stCondLst>
+                                    <p:cond delay="0"/>
+                                  </p:stCondLst>
+                                  <p:childTnLst>
+                                    <p:cmd type="call" cmd="playFrom(0.0)">
+                                      <p:cBhvr>
+                                        <p:cTn id="6" dur="1" fill="hold"/>
+                                        <p:tgtEl>
+                                          <p:spTgt spid="4"/>
+                                        </p:tgtEl>
+                                      </p:cBhvr>
+                                    </p:cmd>
+                                  </p:childTnLst>
+                                </p:cTn>
+                              </p:par>
+                            </p:childTnLst>
+                          </p:cTn>
+                        </p:par>
+                      </p:childTnLst>
+                    </p:cTn>
+                  </p:par>
+                </p:childTnLst>
+              </p:cTn>
+              <p:prevCondLst>
+                <p:cond evt="onPrev" delay="0">
+                  <p:tgtEl>
+                    <p:sldTgt/>
+                  </p:tgtEl>
+                </p:cond>
+              </p:prevCondLst>
+              <p:nextCondLst>
+                <p:cond evt="onNext" delay="0">
+                  <p:tgtEl>
+                    <p:sldTgt/>
+                  </p:tgtEl>
+                </p:cond>
+              </p:nextCondLst>
+            </p:seq>
+            <p:audio isNarration="1">
+              <p:cMediaNode vol="80000" showWhenStopped="0">
+                <p:cTn id="7" fill="hold" display="0">
+                  <p:stCondLst>
+                    <p:cond delay="indefinite"/>
+                  </p:stCondLst>
+                  <p:endCondLst>
+                    <p:cond evt="onStopAudio" delay="0">
+                      <p:tgtEl>
+                        <p:sldTgt/>
+                      </p:tgtEl>
+                    </p:cond>
+                  </p:endCondLst>
+                </p:cTn>
+                <p:tgtEl>
+                  <p:spTgt spid="4"/>
+                </p:tgtEl>
+              </p:cMediaNode>
+            </p:audio>
+          </p:childTnLst>
+        </p:cTn>
+      </p:par>
+    </p:tnLst>
+  </p:timing>
 </p:sld>
 </file>
 
@@ -13038,6 +13562,44 @@
           </a:p>
         </p:txBody>
       </p:sp>
+      <p:pic>
+        <p:nvPicPr>
+          <p:cNvPr id="5" name="Audio 4">
+            <a:hlinkClick r:id="" action="ppaction://media"/>
+            <a:extLst>
+              <a:ext uri="{FF2B5EF4-FFF2-40B4-BE49-F238E27FC236}">
+                <a16:creationId xmlns:a16="http://schemas.microsoft.com/office/drawing/2014/main" id="{A764E528-2349-7F43-A86C-FF4564D1B7E9}"/>
+              </a:ext>
+            </a:extLst>
+          </p:cNvPr>
+          <p:cNvPicPr>
+            <a:picLocks noChangeAspect="1"/>
+          </p:cNvPicPr>
+          <p:nvPr>
+            <a:audioFile r:link="rId2"/>
+            <p:extLst>
+              <p:ext uri="{DAA4B4D4-6D71-4841-9C94-3DE7FCFB9230}">
+                <p14:media xmlns:p14="http://schemas.microsoft.com/office/powerpoint/2010/main" r:embed="rId1"/>
+              </p:ext>
+            </p:extLst>
+          </p:nvPr>
+        </p:nvPicPr>
+        <p:blipFill>
+          <a:blip r:embed="rId4"/>
+          <a:stretch>
+            <a:fillRect/>
+          </a:stretch>
+        </p:blipFill>
+        <p:spPr>
+          <a:xfrm>
+            <a:off x="11226800" y="5892800"/>
+            <a:ext cx="812800" cy="812800"/>
+          </a:xfrm>
+          <a:prstGeom prst="rect">
+            <a:avLst/>
+          </a:prstGeom>
+        </p:spPr>
+      </p:pic>
     </p:spTree>
     <p:extLst>
       <p:ext uri="{BB962C8B-B14F-4D97-AF65-F5344CB8AC3E}">
@@ -13048,6 +13610,101 @@
   <p:clrMapOvr>
     <a:masterClrMapping/>
   </p:clrMapOvr>
+  <mc:AlternateContent xmlns:mc="http://schemas.openxmlformats.org/markup-compatibility/2006">
+    <mc:Choice xmlns:p14="http://schemas.microsoft.com/office/powerpoint/2010/main" Requires="p14">
+      <p:transition spd="slow" p14:dur="2000" advTm="6123"/>
+    </mc:Choice>
+    <mc:Fallback>
+      <p:transition spd="slow" advTm="6123"/>
+    </mc:Fallback>
+  </mc:AlternateContent>
+  <p:timing>
+    <p:tnLst>
+      <p:par>
+        <p:cTn id="1" dur="indefinite" restart="never" nodeType="tmRoot">
+          <p:childTnLst>
+            <p:seq concurrent="1" nextAc="seek">
+              <p:cTn id="2" dur="indefinite" nodeType="mainSeq">
+                <p:childTnLst>
+                  <p:par>
+                    <p:cTn id="3" fill="hold">
+                      <p:stCondLst>
+                        <p:cond delay="indefinite"/>
+                        <p:cond evt="onBegin" delay="0">
+                          <p:tn val="2"/>
+                        </p:cond>
+                      </p:stCondLst>
+                      <p:childTnLst>
+                        <p:par>
+                          <p:cTn id="4" fill="hold">
+                            <p:stCondLst>
+                              <p:cond delay="0"/>
+                            </p:stCondLst>
+                            <p:childTnLst>
+                              <p:par>
+                                <p:cTn id="5" presetID="1" presetClass="mediacall" presetSubtype="0" fill="hold" nodeType="afterEffect">
+                                  <p:stCondLst>
+                                    <p:cond delay="0"/>
+                                  </p:stCondLst>
+                                  <p:childTnLst>
+                                    <p:cmd type="call" cmd="playFrom(0.0)">
+                                      <p:cBhvr>
+                                        <p:cTn id="6" dur="1" fill="hold"/>
+                                        <p:tgtEl>
+                                          <p:spTgt spid="5"/>
+                                        </p:tgtEl>
+                                      </p:cBhvr>
+                                    </p:cmd>
+                                  </p:childTnLst>
+                                </p:cTn>
+                              </p:par>
+                            </p:childTnLst>
+                          </p:cTn>
+                        </p:par>
+                      </p:childTnLst>
+                    </p:cTn>
+                  </p:par>
+                </p:childTnLst>
+              </p:cTn>
+              <p:prevCondLst>
+                <p:cond evt="onPrev" delay="0">
+                  <p:tgtEl>
+                    <p:sldTgt/>
+                  </p:tgtEl>
+                </p:cond>
+              </p:prevCondLst>
+              <p:nextCondLst>
+                <p:cond evt="onNext" delay="0">
+                  <p:tgtEl>
+                    <p:sldTgt/>
+                  </p:tgtEl>
+                </p:cond>
+              </p:nextCondLst>
+            </p:seq>
+            <p:audio isNarration="1">
+              <p:cMediaNode vol="80000" showWhenStopped="0">
+                <p:cTn id="7" fill="hold" display="0">
+                  <p:stCondLst>
+                    <p:cond delay="indefinite"/>
+                  </p:stCondLst>
+                  <p:endCondLst>
+                    <p:cond evt="onStopAudio" delay="0">
+                      <p:tgtEl>
+                        <p:sldTgt/>
+                      </p:tgtEl>
+                    </p:cond>
+                  </p:endCondLst>
+                </p:cTn>
+                <p:tgtEl>
+                  <p:spTgt spid="5"/>
+                </p:tgtEl>
+              </p:cMediaNode>
+            </p:audio>
+          </p:childTnLst>
+        </p:cTn>
+      </p:par>
+    </p:tnLst>
+  </p:timing>
 </p:sld>
 </file>
 
@@ -13083,7 +13740,7 @@
           <p:nvPr/>
         </p:nvPicPr>
         <p:blipFill>
-          <a:blip r:embed="rId2"/>
+          <a:blip r:embed="rId4"/>
           <a:stretch>
             <a:fillRect/>
           </a:stretch>
@@ -13092,6 +13749,44 @@
           <a:xfrm>
             <a:off x="1821795" y="611564"/>
             <a:ext cx="9389000" cy="5204892"/>
+          </a:xfrm>
+          <a:prstGeom prst="rect">
+            <a:avLst/>
+          </a:prstGeom>
+        </p:spPr>
+      </p:pic>
+      <p:pic>
+        <p:nvPicPr>
+          <p:cNvPr id="4" name="Audio 3">
+            <a:hlinkClick r:id="" action="ppaction://media"/>
+            <a:extLst>
+              <a:ext uri="{FF2B5EF4-FFF2-40B4-BE49-F238E27FC236}">
+                <a16:creationId xmlns:a16="http://schemas.microsoft.com/office/drawing/2014/main" id="{266339A5-6F60-F242-9630-2AEECB95EF85}"/>
+              </a:ext>
+            </a:extLst>
+          </p:cNvPr>
+          <p:cNvPicPr>
+            <a:picLocks noChangeAspect="1"/>
+          </p:cNvPicPr>
+          <p:nvPr>
+            <a:audioFile r:link="rId2"/>
+            <p:extLst>
+              <p:ext uri="{DAA4B4D4-6D71-4841-9C94-3DE7FCFB9230}">
+                <p14:media xmlns:p14="http://schemas.microsoft.com/office/powerpoint/2010/main" r:embed="rId1"/>
+              </p:ext>
+            </p:extLst>
+          </p:nvPr>
+        </p:nvPicPr>
+        <p:blipFill>
+          <a:blip r:embed="rId5"/>
+          <a:stretch>
+            <a:fillRect/>
+          </a:stretch>
+        </p:blipFill>
+        <p:spPr>
+          <a:xfrm>
+            <a:off x="11226800" y="5892800"/>
+            <a:ext cx="812800" cy="812800"/>
           </a:xfrm>
           <a:prstGeom prst="rect">
             <a:avLst/>
@@ -13108,6 +13803,101 @@
   <p:clrMapOvr>
     <a:masterClrMapping/>
   </p:clrMapOvr>
+  <mc:AlternateContent xmlns:mc="http://schemas.openxmlformats.org/markup-compatibility/2006">
+    <mc:Choice xmlns:p14="http://schemas.microsoft.com/office/powerpoint/2010/main" Requires="p14">
+      <p:transition spd="slow" p14:dur="2000" advTm="34673"/>
+    </mc:Choice>
+    <mc:Fallback>
+      <p:transition spd="slow" advTm="34673"/>
+    </mc:Fallback>
+  </mc:AlternateContent>
+  <p:timing>
+    <p:tnLst>
+      <p:par>
+        <p:cTn id="1" dur="indefinite" restart="never" nodeType="tmRoot">
+          <p:childTnLst>
+            <p:seq concurrent="1" nextAc="seek">
+              <p:cTn id="2" dur="indefinite" nodeType="mainSeq">
+                <p:childTnLst>
+                  <p:par>
+                    <p:cTn id="3" fill="hold">
+                      <p:stCondLst>
+                        <p:cond delay="indefinite"/>
+                        <p:cond evt="onBegin" delay="0">
+                          <p:tn val="2"/>
+                        </p:cond>
+                      </p:stCondLst>
+                      <p:childTnLst>
+                        <p:par>
+                          <p:cTn id="4" fill="hold">
+                            <p:stCondLst>
+                              <p:cond delay="0"/>
+                            </p:stCondLst>
+                            <p:childTnLst>
+                              <p:par>
+                                <p:cTn id="5" presetID="1" presetClass="mediacall" presetSubtype="0" fill="hold" nodeType="afterEffect">
+                                  <p:stCondLst>
+                                    <p:cond delay="0"/>
+                                  </p:stCondLst>
+                                  <p:childTnLst>
+                                    <p:cmd type="call" cmd="playFrom(0.0)">
+                                      <p:cBhvr>
+                                        <p:cTn id="6" dur="1" fill="hold"/>
+                                        <p:tgtEl>
+                                          <p:spTgt spid="4"/>
+                                        </p:tgtEl>
+                                      </p:cBhvr>
+                                    </p:cmd>
+                                  </p:childTnLst>
+                                </p:cTn>
+                              </p:par>
+                            </p:childTnLst>
+                          </p:cTn>
+                        </p:par>
+                      </p:childTnLst>
+                    </p:cTn>
+                  </p:par>
+                </p:childTnLst>
+              </p:cTn>
+              <p:prevCondLst>
+                <p:cond evt="onPrev" delay="0">
+                  <p:tgtEl>
+                    <p:sldTgt/>
+                  </p:tgtEl>
+                </p:cond>
+              </p:prevCondLst>
+              <p:nextCondLst>
+                <p:cond evt="onNext" delay="0">
+                  <p:tgtEl>
+                    <p:sldTgt/>
+                  </p:tgtEl>
+                </p:cond>
+              </p:nextCondLst>
+            </p:seq>
+            <p:audio isNarration="1">
+              <p:cMediaNode vol="80000" showWhenStopped="0">
+                <p:cTn id="7" fill="hold" display="0">
+                  <p:stCondLst>
+                    <p:cond delay="indefinite"/>
+                  </p:stCondLst>
+                  <p:endCondLst>
+                    <p:cond evt="onStopAudio" delay="0">
+                      <p:tgtEl>
+                        <p:sldTgt/>
+                      </p:tgtEl>
+                    </p:cond>
+                  </p:endCondLst>
+                </p:cTn>
+                <p:tgtEl>
+                  <p:spTgt spid="4"/>
+                </p:tgtEl>
+              </p:cMediaNode>
+            </p:audio>
+          </p:childTnLst>
+        </p:cTn>
+      </p:par>
+    </p:tnLst>
+  </p:timing>
 </p:sld>
 </file>
 
@@ -13143,7 +13933,7 @@
           <p:nvPr/>
         </p:nvPicPr>
         <p:blipFill rotWithShape="1">
-          <a:blip r:embed="rId2"/>
+          <a:blip r:embed="rId4"/>
           <a:srcRect l="137" t="-323" r="-137" b="12403"/>
           <a:stretch/>
         </p:blipFill>
@@ -13151,6 +13941,44 @@
           <a:xfrm>
             <a:off x="1386212" y="989556"/>
             <a:ext cx="9697389" cy="5154460"/>
+          </a:xfrm>
+          <a:prstGeom prst="rect">
+            <a:avLst/>
+          </a:prstGeom>
+        </p:spPr>
+      </p:pic>
+      <p:pic>
+        <p:nvPicPr>
+          <p:cNvPr id="4" name="Audio 3">
+            <a:hlinkClick r:id="" action="ppaction://media"/>
+            <a:extLst>
+              <a:ext uri="{FF2B5EF4-FFF2-40B4-BE49-F238E27FC236}">
+                <a16:creationId xmlns:a16="http://schemas.microsoft.com/office/drawing/2014/main" id="{BDD33F67-A56E-934A-AF74-C3005A62E8C7}"/>
+              </a:ext>
+            </a:extLst>
+          </p:cNvPr>
+          <p:cNvPicPr>
+            <a:picLocks noChangeAspect="1"/>
+          </p:cNvPicPr>
+          <p:nvPr>
+            <a:audioFile r:link="rId2"/>
+            <p:extLst>
+              <p:ext uri="{DAA4B4D4-6D71-4841-9C94-3DE7FCFB9230}">
+                <p14:media xmlns:p14="http://schemas.microsoft.com/office/powerpoint/2010/main" r:embed="rId1"/>
+              </p:ext>
+            </p:extLst>
+          </p:nvPr>
+        </p:nvPicPr>
+        <p:blipFill>
+          <a:blip r:embed="rId5"/>
+          <a:stretch>
+            <a:fillRect/>
+          </a:stretch>
+        </p:blipFill>
+        <p:spPr>
+          <a:xfrm>
+            <a:off x="11226800" y="5892800"/>
+            <a:ext cx="812800" cy="812800"/>
           </a:xfrm>
           <a:prstGeom prst="rect">
             <a:avLst/>
@@ -13167,6 +13995,101 @@
   <p:clrMapOvr>
     <a:masterClrMapping/>
   </p:clrMapOvr>
+  <mc:AlternateContent xmlns:mc="http://schemas.openxmlformats.org/markup-compatibility/2006">
+    <mc:Choice xmlns:p14="http://schemas.microsoft.com/office/powerpoint/2010/main" Requires="p14">
+      <p:transition spd="slow" p14:dur="2000" advTm="5449"/>
+    </mc:Choice>
+    <mc:Fallback>
+      <p:transition spd="slow" advTm="5449"/>
+    </mc:Fallback>
+  </mc:AlternateContent>
+  <p:timing>
+    <p:tnLst>
+      <p:par>
+        <p:cTn id="1" dur="indefinite" restart="never" nodeType="tmRoot">
+          <p:childTnLst>
+            <p:seq concurrent="1" nextAc="seek">
+              <p:cTn id="2" dur="indefinite" nodeType="mainSeq">
+                <p:childTnLst>
+                  <p:par>
+                    <p:cTn id="3" fill="hold">
+                      <p:stCondLst>
+                        <p:cond delay="indefinite"/>
+                        <p:cond evt="onBegin" delay="0">
+                          <p:tn val="2"/>
+                        </p:cond>
+                      </p:stCondLst>
+                      <p:childTnLst>
+                        <p:par>
+                          <p:cTn id="4" fill="hold">
+                            <p:stCondLst>
+                              <p:cond delay="0"/>
+                            </p:stCondLst>
+                            <p:childTnLst>
+                              <p:par>
+                                <p:cTn id="5" presetID="1" presetClass="mediacall" presetSubtype="0" fill="hold" nodeType="afterEffect">
+                                  <p:stCondLst>
+                                    <p:cond delay="0"/>
+                                  </p:stCondLst>
+                                  <p:childTnLst>
+                                    <p:cmd type="call" cmd="playFrom(0.0)">
+                                      <p:cBhvr>
+                                        <p:cTn id="6" dur="1" fill="hold"/>
+                                        <p:tgtEl>
+                                          <p:spTgt spid="4"/>
+                                        </p:tgtEl>
+                                      </p:cBhvr>
+                                    </p:cmd>
+                                  </p:childTnLst>
+                                </p:cTn>
+                              </p:par>
+                            </p:childTnLst>
+                          </p:cTn>
+                        </p:par>
+                      </p:childTnLst>
+                    </p:cTn>
+                  </p:par>
+                </p:childTnLst>
+              </p:cTn>
+              <p:prevCondLst>
+                <p:cond evt="onPrev" delay="0">
+                  <p:tgtEl>
+                    <p:sldTgt/>
+                  </p:tgtEl>
+                </p:cond>
+              </p:prevCondLst>
+              <p:nextCondLst>
+                <p:cond evt="onNext" delay="0">
+                  <p:tgtEl>
+                    <p:sldTgt/>
+                  </p:tgtEl>
+                </p:cond>
+              </p:nextCondLst>
+            </p:seq>
+            <p:audio isNarration="1">
+              <p:cMediaNode vol="80000" showWhenStopped="0">
+                <p:cTn id="7" fill="hold" display="0">
+                  <p:stCondLst>
+                    <p:cond delay="indefinite"/>
+                  </p:stCondLst>
+                  <p:endCondLst>
+                    <p:cond evt="onStopAudio" delay="0">
+                      <p:tgtEl>
+                        <p:sldTgt/>
+                      </p:tgtEl>
+                    </p:cond>
+                  </p:endCondLst>
+                </p:cTn>
+                <p:tgtEl>
+                  <p:spTgt spid="4"/>
+                </p:tgtEl>
+              </p:cMediaNode>
+            </p:audio>
+          </p:childTnLst>
+        </p:cTn>
+      </p:par>
+    </p:tnLst>
+  </p:timing>
 </p:sld>
 </file>
 
@@ -13202,7 +14125,7 @@
           <p:nvPr/>
         </p:nvPicPr>
         <p:blipFill>
-          <a:blip r:embed="rId2"/>
+          <a:blip r:embed="rId4"/>
           <a:stretch>
             <a:fillRect/>
           </a:stretch>
@@ -13223,6 +14146,44 @@
           </a:ln>
         </p:spPr>
       </p:pic>
+      <p:pic>
+        <p:nvPicPr>
+          <p:cNvPr id="3" name="Audio 2">
+            <a:hlinkClick r:id="" action="ppaction://media"/>
+            <a:extLst>
+              <a:ext uri="{FF2B5EF4-FFF2-40B4-BE49-F238E27FC236}">
+                <a16:creationId xmlns:a16="http://schemas.microsoft.com/office/drawing/2014/main" id="{3B5ECC63-A60A-FB4D-8E1B-6E9523022A3E}"/>
+              </a:ext>
+            </a:extLst>
+          </p:cNvPr>
+          <p:cNvPicPr>
+            <a:picLocks noChangeAspect="1"/>
+          </p:cNvPicPr>
+          <p:nvPr>
+            <a:audioFile r:link="rId2"/>
+            <p:extLst>
+              <p:ext uri="{DAA4B4D4-6D71-4841-9C94-3DE7FCFB9230}">
+                <p14:media xmlns:p14="http://schemas.microsoft.com/office/powerpoint/2010/main" r:embed="rId1"/>
+              </p:ext>
+            </p:extLst>
+          </p:nvPr>
+        </p:nvPicPr>
+        <p:blipFill>
+          <a:blip r:embed="rId5"/>
+          <a:stretch>
+            <a:fillRect/>
+          </a:stretch>
+        </p:blipFill>
+        <p:spPr>
+          <a:xfrm>
+            <a:off x="11226800" y="5892800"/>
+            <a:ext cx="812800" cy="812800"/>
+          </a:xfrm>
+          <a:prstGeom prst="rect">
+            <a:avLst/>
+          </a:prstGeom>
+        </p:spPr>
+      </p:pic>
     </p:spTree>
     <p:extLst>
       <p:ext uri="{BB962C8B-B14F-4D97-AF65-F5344CB8AC3E}">
@@ -13233,6 +14194,101 @@
   <p:clrMapOvr>
     <a:masterClrMapping/>
   </p:clrMapOvr>
+  <mc:AlternateContent xmlns:mc="http://schemas.openxmlformats.org/markup-compatibility/2006">
+    <mc:Choice xmlns:p14="http://schemas.microsoft.com/office/powerpoint/2010/main" Requires="p14">
+      <p:transition spd="slow" p14:dur="2000" advTm="4340"/>
+    </mc:Choice>
+    <mc:Fallback>
+      <p:transition spd="slow" advTm="4340"/>
+    </mc:Fallback>
+  </mc:AlternateContent>
+  <p:timing>
+    <p:tnLst>
+      <p:par>
+        <p:cTn id="1" dur="indefinite" restart="never" nodeType="tmRoot">
+          <p:childTnLst>
+            <p:seq concurrent="1" nextAc="seek">
+              <p:cTn id="2" dur="indefinite" nodeType="mainSeq">
+                <p:childTnLst>
+                  <p:par>
+                    <p:cTn id="3" fill="hold">
+                      <p:stCondLst>
+                        <p:cond delay="indefinite"/>
+                        <p:cond evt="onBegin" delay="0">
+                          <p:tn val="2"/>
+                        </p:cond>
+                      </p:stCondLst>
+                      <p:childTnLst>
+                        <p:par>
+                          <p:cTn id="4" fill="hold">
+                            <p:stCondLst>
+                              <p:cond delay="0"/>
+                            </p:stCondLst>
+                            <p:childTnLst>
+                              <p:par>
+                                <p:cTn id="5" presetID="1" presetClass="mediacall" presetSubtype="0" fill="hold" nodeType="afterEffect">
+                                  <p:stCondLst>
+                                    <p:cond delay="0"/>
+                                  </p:stCondLst>
+                                  <p:childTnLst>
+                                    <p:cmd type="call" cmd="playFrom(0.0)">
+                                      <p:cBhvr>
+                                        <p:cTn id="6" dur="1" fill="hold"/>
+                                        <p:tgtEl>
+                                          <p:spTgt spid="3"/>
+                                        </p:tgtEl>
+                                      </p:cBhvr>
+                                    </p:cmd>
+                                  </p:childTnLst>
+                                </p:cTn>
+                              </p:par>
+                            </p:childTnLst>
+                          </p:cTn>
+                        </p:par>
+                      </p:childTnLst>
+                    </p:cTn>
+                  </p:par>
+                </p:childTnLst>
+              </p:cTn>
+              <p:prevCondLst>
+                <p:cond evt="onPrev" delay="0">
+                  <p:tgtEl>
+                    <p:sldTgt/>
+                  </p:tgtEl>
+                </p:cond>
+              </p:prevCondLst>
+              <p:nextCondLst>
+                <p:cond evt="onNext" delay="0">
+                  <p:tgtEl>
+                    <p:sldTgt/>
+                  </p:tgtEl>
+                </p:cond>
+              </p:nextCondLst>
+            </p:seq>
+            <p:audio isNarration="1">
+              <p:cMediaNode vol="80000" showWhenStopped="0">
+                <p:cTn id="7" fill="hold" display="0">
+                  <p:stCondLst>
+                    <p:cond delay="indefinite"/>
+                  </p:stCondLst>
+                  <p:endCondLst>
+                    <p:cond evt="onStopAudio" delay="0">
+                      <p:tgtEl>
+                        <p:sldTgt/>
+                      </p:tgtEl>
+                    </p:cond>
+                  </p:endCondLst>
+                </p:cTn>
+                <p:tgtEl>
+                  <p:spTgt spid="3"/>
+                </p:tgtEl>
+              </p:cMediaNode>
+            </p:audio>
+          </p:childTnLst>
+        </p:cTn>
+      </p:par>
+    </p:tnLst>
+  </p:timing>
 </p:sld>
 </file>
 
@@ -13268,7 +14324,7 @@
           <p:nvPr/>
         </p:nvPicPr>
         <p:blipFill>
-          <a:blip r:embed="rId2"/>
+          <a:blip r:embed="rId4"/>
           <a:stretch>
             <a:fillRect/>
           </a:stretch>
@@ -13277,6 +14333,44 @@
           <a:xfrm>
             <a:off x="655042" y="469727"/>
             <a:ext cx="10881915" cy="5636711"/>
+          </a:xfrm>
+          <a:prstGeom prst="rect">
+            <a:avLst/>
+          </a:prstGeom>
+        </p:spPr>
+      </p:pic>
+      <p:pic>
+        <p:nvPicPr>
+          <p:cNvPr id="4" name="Audio 3">
+            <a:hlinkClick r:id="" action="ppaction://media"/>
+            <a:extLst>
+              <a:ext uri="{FF2B5EF4-FFF2-40B4-BE49-F238E27FC236}">
+                <a16:creationId xmlns:a16="http://schemas.microsoft.com/office/drawing/2014/main" id="{789C32CF-7F8B-EA42-8FA1-D9180B716CBE}"/>
+              </a:ext>
+            </a:extLst>
+          </p:cNvPr>
+          <p:cNvPicPr>
+            <a:picLocks noChangeAspect="1"/>
+          </p:cNvPicPr>
+          <p:nvPr>
+            <a:audioFile r:link="rId2"/>
+            <p:extLst>
+              <p:ext uri="{DAA4B4D4-6D71-4841-9C94-3DE7FCFB9230}">
+                <p14:media xmlns:p14="http://schemas.microsoft.com/office/powerpoint/2010/main" r:embed="rId1"/>
+              </p:ext>
+            </p:extLst>
+          </p:nvPr>
+        </p:nvPicPr>
+        <p:blipFill>
+          <a:blip r:embed="rId5"/>
+          <a:stretch>
+            <a:fillRect/>
+          </a:stretch>
+        </p:blipFill>
+        <p:spPr>
+          <a:xfrm>
+            <a:off x="11226800" y="5892800"/>
+            <a:ext cx="812800" cy="812800"/>
           </a:xfrm>
           <a:prstGeom prst="rect">
             <a:avLst/>
@@ -13293,6 +14387,101 @@
   <p:clrMapOvr>
     <a:masterClrMapping/>
   </p:clrMapOvr>
+  <mc:AlternateContent xmlns:mc="http://schemas.openxmlformats.org/markup-compatibility/2006">
+    <mc:Choice xmlns:p14="http://schemas.microsoft.com/office/powerpoint/2010/main" Requires="p14">
+      <p:transition spd="slow" p14:dur="2000" advTm="17435"/>
+    </mc:Choice>
+    <mc:Fallback>
+      <p:transition spd="slow" advTm="17435"/>
+    </mc:Fallback>
+  </mc:AlternateContent>
+  <p:timing>
+    <p:tnLst>
+      <p:par>
+        <p:cTn id="1" dur="indefinite" restart="never" nodeType="tmRoot">
+          <p:childTnLst>
+            <p:seq concurrent="1" nextAc="seek">
+              <p:cTn id="2" dur="indefinite" nodeType="mainSeq">
+                <p:childTnLst>
+                  <p:par>
+                    <p:cTn id="3" fill="hold">
+                      <p:stCondLst>
+                        <p:cond delay="indefinite"/>
+                        <p:cond evt="onBegin" delay="0">
+                          <p:tn val="2"/>
+                        </p:cond>
+                      </p:stCondLst>
+                      <p:childTnLst>
+                        <p:par>
+                          <p:cTn id="4" fill="hold">
+                            <p:stCondLst>
+                              <p:cond delay="0"/>
+                            </p:stCondLst>
+                            <p:childTnLst>
+                              <p:par>
+                                <p:cTn id="5" presetID="1" presetClass="mediacall" presetSubtype="0" fill="hold" nodeType="afterEffect">
+                                  <p:stCondLst>
+                                    <p:cond delay="0"/>
+                                  </p:stCondLst>
+                                  <p:childTnLst>
+                                    <p:cmd type="call" cmd="playFrom(0.0)">
+                                      <p:cBhvr>
+                                        <p:cTn id="6" dur="1" fill="hold"/>
+                                        <p:tgtEl>
+                                          <p:spTgt spid="4"/>
+                                        </p:tgtEl>
+                                      </p:cBhvr>
+                                    </p:cmd>
+                                  </p:childTnLst>
+                                </p:cTn>
+                              </p:par>
+                            </p:childTnLst>
+                          </p:cTn>
+                        </p:par>
+                      </p:childTnLst>
+                    </p:cTn>
+                  </p:par>
+                </p:childTnLst>
+              </p:cTn>
+              <p:prevCondLst>
+                <p:cond evt="onPrev" delay="0">
+                  <p:tgtEl>
+                    <p:sldTgt/>
+                  </p:tgtEl>
+                </p:cond>
+              </p:prevCondLst>
+              <p:nextCondLst>
+                <p:cond evt="onNext" delay="0">
+                  <p:tgtEl>
+                    <p:sldTgt/>
+                  </p:tgtEl>
+                </p:cond>
+              </p:nextCondLst>
+            </p:seq>
+            <p:audio isNarration="1">
+              <p:cMediaNode vol="80000" showWhenStopped="0">
+                <p:cTn id="7" fill="hold" display="0">
+                  <p:stCondLst>
+                    <p:cond delay="indefinite"/>
+                  </p:stCondLst>
+                  <p:endCondLst>
+                    <p:cond evt="onStopAudio" delay="0">
+                      <p:tgtEl>
+                        <p:sldTgt/>
+                      </p:tgtEl>
+                    </p:cond>
+                  </p:endCondLst>
+                </p:cTn>
+                <p:tgtEl>
+                  <p:spTgt spid="4"/>
+                </p:tgtEl>
+              </p:cMediaNode>
+            </p:audio>
+          </p:childTnLst>
+        </p:cTn>
+      </p:par>
+    </p:tnLst>
+  </p:timing>
 </p:sld>
 </file>
 
@@ -13381,6 +14570,44 @@
           </a:p>
         </p:txBody>
       </p:sp>
+      <p:pic>
+        <p:nvPicPr>
+          <p:cNvPr id="5" name="Audio 4">
+            <a:hlinkClick r:id="" action="ppaction://media"/>
+            <a:extLst>
+              <a:ext uri="{FF2B5EF4-FFF2-40B4-BE49-F238E27FC236}">
+                <a16:creationId xmlns:a16="http://schemas.microsoft.com/office/drawing/2014/main" id="{2E37A256-7BC8-884D-98F6-B36EC1E83F8D}"/>
+              </a:ext>
+            </a:extLst>
+          </p:cNvPr>
+          <p:cNvPicPr>
+            <a:picLocks noChangeAspect="1"/>
+          </p:cNvPicPr>
+          <p:nvPr>
+            <a:audioFile r:link="rId2"/>
+            <p:extLst>
+              <p:ext uri="{DAA4B4D4-6D71-4841-9C94-3DE7FCFB9230}">
+                <p14:media xmlns:p14="http://schemas.microsoft.com/office/powerpoint/2010/main" r:embed="rId1"/>
+              </p:ext>
+            </p:extLst>
+          </p:nvPr>
+        </p:nvPicPr>
+        <p:blipFill>
+          <a:blip r:embed="rId4"/>
+          <a:stretch>
+            <a:fillRect/>
+          </a:stretch>
+        </p:blipFill>
+        <p:spPr>
+          <a:xfrm>
+            <a:off x="11226800" y="5892800"/>
+            <a:ext cx="812800" cy="812800"/>
+          </a:xfrm>
+          <a:prstGeom prst="rect">
+            <a:avLst/>
+          </a:prstGeom>
+        </p:spPr>
+      </p:pic>
     </p:spTree>
     <p:extLst>
       <p:ext uri="{BB962C8B-B14F-4D97-AF65-F5344CB8AC3E}">
@@ -13391,6 +14618,101 @@
   <p:clrMapOvr>
     <a:masterClrMapping/>
   </p:clrMapOvr>
+  <mc:AlternateContent xmlns:mc="http://schemas.openxmlformats.org/markup-compatibility/2006">
+    <mc:Choice xmlns:p14="http://schemas.microsoft.com/office/powerpoint/2010/main" Requires="p14">
+      <p:transition spd="slow" p14:dur="2000" advTm="14176"/>
+    </mc:Choice>
+    <mc:Fallback>
+      <p:transition spd="slow" advTm="14176"/>
+    </mc:Fallback>
+  </mc:AlternateContent>
+  <p:timing>
+    <p:tnLst>
+      <p:par>
+        <p:cTn id="1" dur="indefinite" restart="never" nodeType="tmRoot">
+          <p:childTnLst>
+            <p:seq concurrent="1" nextAc="seek">
+              <p:cTn id="2" dur="indefinite" nodeType="mainSeq">
+                <p:childTnLst>
+                  <p:par>
+                    <p:cTn id="3" fill="hold">
+                      <p:stCondLst>
+                        <p:cond delay="indefinite"/>
+                        <p:cond evt="onBegin" delay="0">
+                          <p:tn val="2"/>
+                        </p:cond>
+                      </p:stCondLst>
+                      <p:childTnLst>
+                        <p:par>
+                          <p:cTn id="4" fill="hold">
+                            <p:stCondLst>
+                              <p:cond delay="0"/>
+                            </p:stCondLst>
+                            <p:childTnLst>
+                              <p:par>
+                                <p:cTn id="5" presetID="1" presetClass="mediacall" presetSubtype="0" fill="hold" nodeType="afterEffect">
+                                  <p:stCondLst>
+                                    <p:cond delay="0"/>
+                                  </p:stCondLst>
+                                  <p:childTnLst>
+                                    <p:cmd type="call" cmd="playFrom(0.0)">
+                                      <p:cBhvr>
+                                        <p:cTn id="6" dur="1" fill="hold"/>
+                                        <p:tgtEl>
+                                          <p:spTgt spid="5"/>
+                                        </p:tgtEl>
+                                      </p:cBhvr>
+                                    </p:cmd>
+                                  </p:childTnLst>
+                                </p:cTn>
+                              </p:par>
+                            </p:childTnLst>
+                          </p:cTn>
+                        </p:par>
+                      </p:childTnLst>
+                    </p:cTn>
+                  </p:par>
+                </p:childTnLst>
+              </p:cTn>
+              <p:prevCondLst>
+                <p:cond evt="onPrev" delay="0">
+                  <p:tgtEl>
+                    <p:sldTgt/>
+                  </p:tgtEl>
+                </p:cond>
+              </p:prevCondLst>
+              <p:nextCondLst>
+                <p:cond evt="onNext" delay="0">
+                  <p:tgtEl>
+                    <p:sldTgt/>
+                  </p:tgtEl>
+                </p:cond>
+              </p:nextCondLst>
+            </p:seq>
+            <p:audio isNarration="1">
+              <p:cMediaNode vol="80000" showWhenStopped="0">
+                <p:cTn id="7" fill="hold" display="0">
+                  <p:stCondLst>
+                    <p:cond delay="indefinite"/>
+                  </p:stCondLst>
+                  <p:endCondLst>
+                    <p:cond evt="onStopAudio" delay="0">
+                      <p:tgtEl>
+                        <p:sldTgt/>
+                      </p:tgtEl>
+                    </p:cond>
+                  </p:endCondLst>
+                </p:cTn>
+                <p:tgtEl>
+                  <p:spTgt spid="5"/>
+                </p:tgtEl>
+              </p:cMediaNode>
+            </p:audio>
+          </p:childTnLst>
+        </p:cTn>
+      </p:par>
+    </p:tnLst>
+  </p:timing>
 </p:sld>
 </file>
 
